--- a/S02_clases/05_decision_tree/árboles de decisión.pptx
+++ b/S02_clases/05_decision_tree/árboles de decisión.pptx
@@ -6,9 +6,11 @@
   </p:sldMasterIdLst>
   <p:sldIdLst>
     <p:sldId id="256" r:id="rId2"/>
-    <p:sldId id="257" r:id="rId3"/>
-    <p:sldId id="258" r:id="rId4"/>
-    <p:sldId id="264" r:id="rId5"/>
+    <p:sldId id="258" r:id="rId3"/>
+    <p:sldId id="257" r:id="rId4"/>
+    <p:sldId id="260" r:id="rId5"/>
+    <p:sldId id="259" r:id="rId6"/>
+    <p:sldId id="261" r:id="rId7"/>
   </p:sldIdLst>
   <p:sldSz cx="12192000" cy="6858000"/>
   <p:notesSz cx="6858000" cy="9144000"/>
@@ -264,7 +266,7 @@
           <a:p>
             <a:fld id="{BA7DA8FB-C99A-46DC-B4EB-C18E7A9E7B9F}" type="datetimeFigureOut">
               <a:rPr lang="en-US" smtClean="0"/>
-              <a:t>1/27/2025</a:t>
+              <a:t>4/27/2025</a:t>
             </a:fld>
             <a:endParaRPr lang="en-US"/>
           </a:p>
@@ -515,7 +517,7 @@
           <a:p>
             <a:fld id="{BA7DA8FB-C99A-46DC-B4EB-C18E7A9E7B9F}" type="datetimeFigureOut">
               <a:rPr lang="en-US" smtClean="0"/>
-              <a:t>1/27/2025</a:t>
+              <a:t>4/27/2025</a:t>
             </a:fld>
             <a:endParaRPr lang="en-US"/>
           </a:p>
@@ -725,7 +727,7 @@
           <a:p>
             <a:fld id="{BA7DA8FB-C99A-46DC-B4EB-C18E7A9E7B9F}" type="datetimeFigureOut">
               <a:rPr lang="en-US" smtClean="0"/>
-              <a:t>1/27/2025</a:t>
+              <a:t>4/27/2025</a:t>
             </a:fld>
             <a:endParaRPr lang="en-US"/>
           </a:p>
@@ -931,7 +933,7 @@
             <a:fld id="{BA7DA8FB-C99A-46DC-B4EB-C18E7A9E7B9F}" type="datetimeFigureOut">
               <a:rPr lang="en-US" smtClean="0"/>
               <a:pPr/>
-              <a:t>1/27/2025</a:t>
+              <a:t>4/27/2025</a:t>
             </a:fld>
             <a:endParaRPr lang="en-US" dirty="0"/>
           </a:p>
@@ -1199,7 +1201,7 @@
           <a:p>
             <a:fld id="{BA7DA8FB-C99A-46DC-B4EB-C18E7A9E7B9F}" type="datetimeFigureOut">
               <a:rPr lang="en-US" smtClean="0"/>
-              <a:t>1/27/2025</a:t>
+              <a:t>4/27/2025</a:t>
             </a:fld>
             <a:endParaRPr lang="en-US"/>
           </a:p>
@@ -1475,7 +1477,7 @@
           <a:p>
             <a:fld id="{BA7DA8FB-C99A-46DC-B4EB-C18E7A9E7B9F}" type="datetimeFigureOut">
               <a:rPr lang="en-US" smtClean="0"/>
-              <a:t>1/27/2025</a:t>
+              <a:t>4/27/2025</a:t>
             </a:fld>
             <a:endParaRPr lang="en-US"/>
           </a:p>
@@ -1743,7 +1745,7 @@
           <a:p>
             <a:fld id="{BA7DA8FB-C99A-46DC-B4EB-C18E7A9E7B9F}" type="datetimeFigureOut">
               <a:rPr lang="en-US" smtClean="0"/>
-              <a:t>1/27/2025</a:t>
+              <a:t>4/27/2025</a:t>
             </a:fld>
             <a:endParaRPr lang="en-US"/>
           </a:p>
@@ -2158,7 +2160,7 @@
           <a:p>
             <a:fld id="{BA7DA8FB-C99A-46DC-B4EB-C18E7A9E7B9F}" type="datetimeFigureOut">
               <a:rPr lang="en-US" smtClean="0"/>
-              <a:t>1/27/2025</a:t>
+              <a:t>4/27/2025</a:t>
             </a:fld>
             <a:endParaRPr lang="en-US"/>
           </a:p>
@@ -2271,7 +2273,7 @@
           <a:p>
             <a:fld id="{BA7DA8FB-C99A-46DC-B4EB-C18E7A9E7B9F}" type="datetimeFigureOut">
               <a:rPr lang="en-US" smtClean="0"/>
-              <a:t>1/27/2025</a:t>
+              <a:t>4/27/2025</a:t>
             </a:fld>
             <a:endParaRPr lang="en-US"/>
           </a:p>
@@ -2584,7 +2586,7 @@
           <a:p>
             <a:fld id="{BA7DA8FB-C99A-46DC-B4EB-C18E7A9E7B9F}" type="datetimeFigureOut">
               <a:rPr lang="en-US" smtClean="0"/>
-              <a:t>1/27/2025</a:t>
+              <a:t>4/27/2025</a:t>
             </a:fld>
             <a:endParaRPr lang="en-US"/>
           </a:p>
@@ -2873,7 +2875,7 @@
           <a:p>
             <a:fld id="{BA7DA8FB-C99A-46DC-B4EB-C18E7A9E7B9F}" type="datetimeFigureOut">
               <a:rPr lang="en-US" smtClean="0"/>
-              <a:t>1/27/2025</a:t>
+              <a:t>4/27/2025</a:t>
             </a:fld>
             <a:endParaRPr lang="en-US"/>
           </a:p>
@@ -3116,7 +3118,7 @@
           <a:p>
             <a:fld id="{BA7DA8FB-C99A-46DC-B4EB-C18E7A9E7B9F}" type="datetimeFigureOut">
               <a:rPr lang="en-US" smtClean="0"/>
-              <a:t>1/27/2025</a:t>
+              <a:t>4/27/2025</a:t>
             </a:fld>
             <a:endParaRPr lang="en-US"/>
           </a:p>
@@ -3725,358 +3727,146 @@
           <a:chExt cx="0" cy="0"/>
         </a:xfrm>
       </p:grpSpPr>
-      <p:sp>
-        <p:nvSpPr>
-          <p:cNvPr id="6" name="CuadroTexto 5">
-            <a:extLst>
-              <a:ext uri="{FF2B5EF4-FFF2-40B4-BE49-F238E27FC236}">
-                <a16:creationId xmlns:a16="http://schemas.microsoft.com/office/drawing/2014/main" id="{B7B3DB51-65E6-28D8-4BA0-A73F3B925F0E}"/>
-              </a:ext>
-            </a:extLst>
-          </p:cNvPr>
-          <p:cNvSpPr txBox="1"/>
+      <p:pic>
+        <p:nvPicPr>
+          <p:cNvPr id="1026" name="Picture 2" descr="What is a Decision Tree in ML?. What is Decision Tree? | by Viraj Lakshitha  Bandara | Medium">
+            <a:extLst>
+              <a:ext uri="{FF2B5EF4-FFF2-40B4-BE49-F238E27FC236}">
+                <a16:creationId xmlns:a16="http://schemas.microsoft.com/office/drawing/2014/main" id="{1392512C-F0CB-E825-8580-3DC33AB79857}"/>
+              </a:ext>
+            </a:extLst>
+          </p:cNvPr>
+          <p:cNvPicPr>
+            <a:picLocks noChangeAspect="1" noChangeArrowheads="1"/>
+          </p:cNvPicPr>
           <p:nvPr/>
-        </p:nvSpPr>
-        <p:spPr>
+        </p:nvPicPr>
+        <p:blipFill>
+          <a:blip r:embed="rId2">
+            <a:extLst>
+              <a:ext uri="{28A0092B-C50C-407E-A947-70E740481C1C}">
+                <a14:useLocalDpi xmlns:a14="http://schemas.microsoft.com/office/drawing/2010/main" val="0"/>
+              </a:ext>
+            </a:extLst>
+          </a:blip>
+          <a:srcRect/>
+          <a:stretch>
+            <a:fillRect/>
+          </a:stretch>
+        </p:blipFill>
+        <p:spPr bwMode="auto">
           <a:xfrm>
-            <a:off x="7694" y="1527031"/>
-            <a:ext cx="4660038" cy="477054"/>
+            <a:off x="629770" y="1631577"/>
+            <a:ext cx="5715000" cy="3810000"/>
           </a:xfrm>
           <a:prstGeom prst="rect">
             <a:avLst/>
           </a:prstGeom>
           <a:noFill/>
+          <a:extLst>
+            <a:ext uri="{909E8E84-426E-40DD-AFC4-6F175D3DCCD1}">
+              <a14:hiddenFill xmlns:a14="http://schemas.microsoft.com/office/drawing/2010/main">
+                <a:solidFill>
+                  <a:srgbClr val="FFFFFF"/>
+                </a:solidFill>
+              </a14:hiddenFill>
+            </a:ext>
+          </a:extLst>
         </p:spPr>
-        <p:txBody>
-          <a:bodyPr wrap="square" rtlCol="0">
-            <a:spAutoFit/>
-          </a:bodyPr>
-          <a:lstStyle/>
-          <a:p>
-            <a:pPr algn="ctr"/>
-            <a:r>
-              <a:rPr lang="es-MX" sz="2500" noProof="0" dirty="0"/>
-              <a:t> </a:t>
-            </a:r>
-          </a:p>
-        </p:txBody>
-      </p:sp>
-      <p:sp>
-        <p:nvSpPr>
-          <p:cNvPr id="20" name="CuadroTexto 19">
-            <a:extLst>
-              <a:ext uri="{FF2B5EF4-FFF2-40B4-BE49-F238E27FC236}">
-                <a16:creationId xmlns:a16="http://schemas.microsoft.com/office/drawing/2014/main" id="{9F5195CF-F9A9-DD08-647B-D426566455C0}"/>
-              </a:ext>
-            </a:extLst>
-          </p:cNvPr>
-          <p:cNvSpPr txBox="1"/>
+      </p:pic>
+      <p:pic>
+        <p:nvPicPr>
+          <p:cNvPr id="1028" name="Picture 4" descr="Decision Tree Classification Clearly Explained!">
+            <a:extLst>
+              <a:ext uri="{FF2B5EF4-FFF2-40B4-BE49-F238E27FC236}">
+                <a16:creationId xmlns:a16="http://schemas.microsoft.com/office/drawing/2014/main" id="{BDF69EC6-57BF-ADBF-016C-BFCDC580392E}"/>
+              </a:ext>
+            </a:extLst>
+          </p:cNvPr>
+          <p:cNvPicPr>
+            <a:picLocks noChangeAspect="1" noChangeArrowheads="1"/>
+          </p:cNvPicPr>
           <p:nvPr/>
-        </p:nvSpPr>
-        <p:spPr>
+        </p:nvPicPr>
+        <p:blipFill rotWithShape="1">
+          <a:blip r:embed="rId3">
+            <a:extLst>
+              <a:ext uri="{28A0092B-C50C-407E-A947-70E740481C1C}">
+                <a14:useLocalDpi xmlns:a14="http://schemas.microsoft.com/office/drawing/2010/main" val="0"/>
+              </a:ext>
+            </a:extLst>
+          </a:blip>
+          <a:srcRect l="47091"/>
+          <a:stretch/>
+        </p:blipFill>
+        <p:spPr bwMode="auto">
           <a:xfrm>
-            <a:off x="452761" y="1266869"/>
-            <a:ext cx="4660038" cy="3554819"/>
+            <a:off x="7234518" y="1196789"/>
+            <a:ext cx="4401670" cy="4679576"/>
           </a:xfrm>
           <a:prstGeom prst="rect">
             <a:avLst/>
           </a:prstGeom>
           <a:noFill/>
+          <a:extLst>
+            <a:ext uri="{909E8E84-426E-40DD-AFC4-6F175D3DCCD1}">
+              <a14:hiddenFill xmlns:a14="http://schemas.microsoft.com/office/drawing/2010/main">
+                <a:solidFill>
+                  <a:srgbClr val="FFFFFF"/>
+                </a:solidFill>
+              </a14:hiddenFill>
+            </a:ext>
+          </a:extLst>
         </p:spPr>
-        <p:txBody>
-          <a:bodyPr wrap="square" rtlCol="0">
-            <a:spAutoFit/>
-          </a:bodyPr>
-          <a:lstStyle/>
-          <a:p>
-            <a:pPr algn="ctr"/>
-            <a:r>
-              <a:rPr lang="es-MX" sz="2500" noProof="0" dirty="0"/>
-              <a:t>Formas de Evaluación General:</a:t>
-            </a:r>
-          </a:p>
-          <a:p>
-            <a:pPr algn="ctr"/>
-            <a:endParaRPr lang="es-MX" sz="2500" noProof="0" dirty="0"/>
-          </a:p>
-          <a:p>
-            <a:pPr marL="342900" indent="-342900">
-              <a:buFont typeface="Arial" panose="020B0604020202020204" pitchFamily="34" charset="0"/>
-              <a:buChar char="•"/>
-            </a:pPr>
-            <a:r>
-              <a:rPr lang="es-MX" sz="2500" noProof="0" dirty="0"/>
-              <a:t>Dr. Oswaldo		35%</a:t>
-            </a:r>
-          </a:p>
-          <a:p>
-            <a:pPr marL="342900" indent="-342900">
-              <a:buFont typeface="Arial" panose="020B0604020202020204" pitchFamily="34" charset="0"/>
-              <a:buChar char="•"/>
-            </a:pPr>
-            <a:r>
-              <a:rPr lang="es-MX" sz="2500" noProof="0" dirty="0"/>
-              <a:t>Machine </a:t>
-            </a:r>
-            <a:r>
-              <a:rPr lang="es-MX" sz="2500" noProof="0" dirty="0" err="1"/>
-              <a:t>Learning</a:t>
-            </a:r>
-            <a:r>
-              <a:rPr lang="es-MX" sz="2500" noProof="0" dirty="0"/>
-              <a:t>		35%</a:t>
-            </a:r>
-          </a:p>
-          <a:p>
-            <a:pPr marL="342900" indent="-342900">
-              <a:buFont typeface="Arial" panose="020B0604020202020204" pitchFamily="34" charset="0"/>
-              <a:buChar char="•"/>
-            </a:pPr>
-            <a:r>
-              <a:rPr lang="es-MX" sz="2500" noProof="0" dirty="0"/>
-              <a:t>Proyecto final		30%</a:t>
-            </a:r>
-          </a:p>
-          <a:p>
-            <a:pPr marL="342900" indent="-342900">
-              <a:buFont typeface="Arial" panose="020B0604020202020204" pitchFamily="34" charset="0"/>
-              <a:buChar char="•"/>
-            </a:pPr>
-            <a:endParaRPr lang="es-MX" sz="2500" noProof="0" dirty="0"/>
-          </a:p>
-          <a:p>
-            <a:r>
-              <a:rPr lang="es-MX" sz="2500" noProof="0" dirty="0"/>
-              <a:t>Evaluación Machine </a:t>
-            </a:r>
-            <a:r>
-              <a:rPr lang="es-MX" sz="2500" noProof="0" dirty="0" err="1"/>
-              <a:t>Learning</a:t>
-            </a:r>
-            <a:endParaRPr lang="es-MX" sz="2500" noProof="0" dirty="0"/>
-          </a:p>
-          <a:p>
-            <a:pPr marL="342900" indent="-342900">
-              <a:buFont typeface="Arial" panose="020B0604020202020204" pitchFamily="34" charset="0"/>
-              <a:buChar char="•"/>
-            </a:pPr>
-            <a:r>
-              <a:rPr lang="es-MX" sz="2500" noProof="0" dirty="0"/>
-              <a:t>Trabajos		40%</a:t>
-            </a:r>
-          </a:p>
-          <a:p>
-            <a:pPr marL="342900" indent="-342900">
-              <a:buFont typeface="Arial" panose="020B0604020202020204" pitchFamily="34" charset="0"/>
-              <a:buChar char="•"/>
-            </a:pPr>
-            <a:r>
-              <a:rPr lang="es-MX" sz="2500" noProof="0" dirty="0"/>
-              <a:t>Exámenes		60%</a:t>
-            </a:r>
-          </a:p>
-        </p:txBody>
-      </p:sp>
-      <p:sp>
-        <p:nvSpPr>
-          <p:cNvPr id="39" name="CuadroTexto 38">
-            <a:extLst>
-              <a:ext uri="{FF2B5EF4-FFF2-40B4-BE49-F238E27FC236}">
-                <a16:creationId xmlns:a16="http://schemas.microsoft.com/office/drawing/2014/main" id="{558C591F-0842-D3F4-0E21-0E175EB268B8}"/>
-              </a:ext>
-            </a:extLst>
-          </p:cNvPr>
-          <p:cNvSpPr txBox="1"/>
-          <p:nvPr/>
+      </p:pic>
+      <p:sp>
+        <p:nvSpPr>
+          <p:cNvPr id="3" name="Título 1">
+            <a:extLst>
+              <a:ext uri="{FF2B5EF4-FFF2-40B4-BE49-F238E27FC236}">
+                <a16:creationId xmlns:a16="http://schemas.microsoft.com/office/drawing/2014/main" id="{0EEEFC92-1B6C-5052-ECEA-058252BD268F}"/>
+              </a:ext>
+            </a:extLst>
+          </p:cNvPr>
+          <p:cNvSpPr>
+            <a:spLocks noGrp="1"/>
+          </p:cNvSpPr>
+          <p:nvPr>
+            <p:ph type="title"/>
+          </p:nvPr>
         </p:nvSpPr>
         <p:spPr>
           <a:xfrm>
-            <a:off x="452761" y="142043"/>
-            <a:ext cx="10413507" cy="707886"/>
+            <a:off x="838200" y="365125"/>
+            <a:ext cx="10515600" cy="522381"/>
           </a:xfrm>
-          <a:prstGeom prst="rect">
-            <a:avLst/>
-          </a:prstGeom>
-          <a:noFill/>
         </p:spPr>
         <p:txBody>
-          <a:bodyPr wrap="square" rtlCol="0">
-            <a:spAutoFit/>
+          <a:bodyPr>
+            <a:normAutofit fontScale="90000"/>
           </a:bodyPr>
           <a:lstStyle/>
           <a:p>
             <a:r>
-              <a:rPr lang="es-MX" sz="4000" noProof="0" dirty="0">
+              <a:rPr lang="es-MX" b="1" dirty="0">
                 <a:solidFill>
                   <a:schemeClr val="bg1"/>
                 </a:solidFill>
               </a:rPr>
-              <a:t>Presentación</a:t>
-            </a:r>
-          </a:p>
-        </p:txBody>
-      </p:sp>
-      <p:sp>
-        <p:nvSpPr>
-          <p:cNvPr id="2" name="CuadroTexto 1">
-            <a:extLst>
-              <a:ext uri="{FF2B5EF4-FFF2-40B4-BE49-F238E27FC236}">
-                <a16:creationId xmlns:a16="http://schemas.microsoft.com/office/drawing/2014/main" id="{E334FCD9-1867-3354-97C5-59FAEFA40D33}"/>
-              </a:ext>
-            </a:extLst>
-          </p:cNvPr>
-          <p:cNvSpPr txBox="1"/>
-          <p:nvPr/>
-        </p:nvSpPr>
-        <p:spPr>
-          <a:xfrm>
-            <a:off x="6409974" y="1266869"/>
-            <a:ext cx="4660038" cy="2785378"/>
-          </a:xfrm>
-          <a:prstGeom prst="rect">
-            <a:avLst/>
-          </a:prstGeom>
-          <a:noFill/>
-        </p:spPr>
-        <p:txBody>
-          <a:bodyPr wrap="square" rtlCol="0">
-            <a:spAutoFit/>
-          </a:bodyPr>
-          <a:lstStyle/>
-          <a:p>
-            <a:pPr algn="ctr"/>
-            <a:r>
-              <a:rPr lang="es-MX" sz="2500" noProof="0" dirty="0"/>
-              <a:t>Días de clase:</a:t>
-            </a:r>
-          </a:p>
-          <a:p>
-            <a:pPr algn="ctr"/>
-            <a:endParaRPr lang="es-MX" sz="2500" noProof="0" dirty="0"/>
-          </a:p>
-          <a:p>
-            <a:pPr marL="342900" indent="-342900">
-              <a:buFont typeface="Arial" panose="020B0604020202020204" pitchFamily="34" charset="0"/>
-              <a:buChar char="•"/>
-            </a:pPr>
-            <a:r>
-              <a:rPr lang="es-MX" sz="2500" noProof="0" dirty="0"/>
-              <a:t>Lunes	5:00-7:00pm</a:t>
-            </a:r>
-          </a:p>
-          <a:p>
-            <a:pPr marL="342900" indent="-342900">
-              <a:buFont typeface="Arial" panose="020B0604020202020204" pitchFamily="34" charset="0"/>
-              <a:buChar char="•"/>
-            </a:pPr>
-            <a:r>
-              <a:rPr lang="es-MX" sz="2500" noProof="0" dirty="0"/>
-              <a:t>Martes	5:00-7:00pm</a:t>
-            </a:r>
-          </a:p>
-          <a:p>
-            <a:pPr marL="342900" indent="-342900">
-              <a:buFont typeface="Arial" panose="020B0604020202020204" pitchFamily="34" charset="0"/>
-              <a:buChar char="•"/>
-            </a:pPr>
-            <a:r>
-              <a:rPr lang="es-MX" sz="2500" noProof="0" dirty="0"/>
-              <a:t>Miércoles	5:00-7:00pm</a:t>
-            </a:r>
-          </a:p>
-          <a:p>
-            <a:pPr marL="342900" indent="-342900">
-              <a:buFont typeface="Arial" panose="020B0604020202020204" pitchFamily="34" charset="0"/>
-              <a:buChar char="•"/>
-            </a:pPr>
-            <a:endParaRPr lang="es-MX" sz="2500" noProof="0" dirty="0"/>
-          </a:p>
-          <a:p>
-            <a:pPr marL="342900" indent="-342900">
-              <a:buFont typeface="Arial" panose="020B0604020202020204" pitchFamily="34" charset="0"/>
-              <a:buChar char="•"/>
-            </a:pPr>
-            <a:r>
-              <a:rPr lang="es-MX" sz="2500" noProof="0" dirty="0"/>
-              <a:t>Aula V-404</a:t>
-            </a:r>
-          </a:p>
-        </p:txBody>
-      </p:sp>
-      <p:sp>
-        <p:nvSpPr>
-          <p:cNvPr id="4" name="CuadroTexto 3">
-            <a:extLst>
-              <a:ext uri="{FF2B5EF4-FFF2-40B4-BE49-F238E27FC236}">
-                <a16:creationId xmlns:a16="http://schemas.microsoft.com/office/drawing/2014/main" id="{3A0DC2A2-47D2-45A2-A084-DB7A3BBD8532}"/>
-              </a:ext>
-            </a:extLst>
-          </p:cNvPr>
-          <p:cNvSpPr txBox="1"/>
-          <p:nvPr/>
-        </p:nvSpPr>
-        <p:spPr>
-          <a:xfrm>
-            <a:off x="6306674" y="4257686"/>
-            <a:ext cx="4660038" cy="2015936"/>
-          </a:xfrm>
-          <a:prstGeom prst="rect">
-            <a:avLst/>
-          </a:prstGeom>
-          <a:noFill/>
-        </p:spPr>
-        <p:txBody>
-          <a:bodyPr wrap="square" rtlCol="0">
-            <a:spAutoFit/>
-          </a:bodyPr>
-          <a:lstStyle/>
-          <a:p>
-            <a:pPr algn="ctr"/>
-            <a:r>
-              <a:rPr lang="es-MX" sz="2500" noProof="0" dirty="0"/>
-              <a:t>Fechas de parciales:</a:t>
-            </a:r>
-          </a:p>
-          <a:p>
-            <a:pPr algn="ctr"/>
-            <a:endParaRPr lang="es-MX" sz="2500" noProof="0" dirty="0"/>
-          </a:p>
-          <a:p>
-            <a:pPr marL="342900" indent="-342900">
-              <a:buFont typeface="Arial" panose="020B0604020202020204" pitchFamily="34" charset="0"/>
-              <a:buChar char="•"/>
-            </a:pPr>
-            <a:r>
-              <a:rPr lang="es-MX" sz="2500" noProof="0" dirty="0"/>
-              <a:t>1er parcial		26-Feb</a:t>
-            </a:r>
-          </a:p>
-          <a:p>
-            <a:pPr marL="342900" indent="-342900">
-              <a:buFont typeface="Arial" panose="020B0604020202020204" pitchFamily="34" charset="0"/>
-              <a:buChar char="•"/>
-            </a:pPr>
-            <a:r>
-              <a:rPr lang="es-MX" sz="2500" noProof="0" dirty="0"/>
-              <a:t>2do parcial		02-Abril</a:t>
-            </a:r>
-          </a:p>
-          <a:p>
-            <a:pPr marL="342900" indent="-342900">
-              <a:buFont typeface="Arial" panose="020B0604020202020204" pitchFamily="34" charset="0"/>
-              <a:buChar char="•"/>
-            </a:pPr>
-            <a:r>
-              <a:rPr lang="es-MX" sz="2500" noProof="0" dirty="0"/>
-              <a:t>3er parcial		19-Mayo</a:t>
-            </a:r>
+              <a:t>Árboles de decisión</a:t>
+            </a:r>
+            <a:endParaRPr lang="en-US" b="1" dirty="0">
+              <a:solidFill>
+                <a:schemeClr val="bg1"/>
+              </a:solidFill>
+            </a:endParaRPr>
           </a:p>
         </p:txBody>
       </p:sp>
     </p:spTree>
     <p:extLst>
       <p:ext uri="{BB962C8B-B14F-4D97-AF65-F5344CB8AC3E}">
-        <p14:creationId xmlns:p14="http://schemas.microsoft.com/office/powerpoint/2010/main" val="1804106196"/>
+        <p14:creationId xmlns:p14="http://schemas.microsoft.com/office/powerpoint/2010/main" val="2279068095"/>
       </p:ext>
     </p:extLst>
   </p:cSld>
@@ -4105,10 +3895,54 @@
       </p:grpSpPr>
       <p:sp>
         <p:nvSpPr>
-          <p:cNvPr id="5" name="CuadroTexto 4">
-            <a:extLst>
-              <a:ext uri="{FF2B5EF4-FFF2-40B4-BE49-F238E27FC236}">
-                <a16:creationId xmlns:a16="http://schemas.microsoft.com/office/drawing/2014/main" id="{5E2D2859-09E6-8311-192B-13B8BBF2978D}"/>
+          <p:cNvPr id="2" name="Título 1">
+            <a:extLst>
+              <a:ext uri="{FF2B5EF4-FFF2-40B4-BE49-F238E27FC236}">
+                <a16:creationId xmlns:a16="http://schemas.microsoft.com/office/drawing/2014/main" id="{EB996E90-A3B5-EC99-94DC-BA8D87277513}"/>
+              </a:ext>
+            </a:extLst>
+          </p:cNvPr>
+          <p:cNvSpPr>
+            <a:spLocks noGrp="1"/>
+          </p:cNvSpPr>
+          <p:nvPr>
+            <p:ph type="title"/>
+          </p:nvPr>
+        </p:nvSpPr>
+        <p:spPr>
+          <a:xfrm>
+            <a:off x="838200" y="365125"/>
+            <a:ext cx="10515600" cy="522381"/>
+          </a:xfrm>
+        </p:spPr>
+        <p:txBody>
+          <a:bodyPr>
+            <a:normAutofit fontScale="90000"/>
+          </a:bodyPr>
+          <a:lstStyle/>
+          <a:p>
+            <a:r>
+              <a:rPr lang="es-MX" b="1" dirty="0">
+                <a:solidFill>
+                  <a:schemeClr val="bg1"/>
+                </a:solidFill>
+              </a:rPr>
+              <a:t>Árboles de decisión</a:t>
+            </a:r>
+            <a:endParaRPr lang="en-US" b="1" dirty="0">
+              <a:solidFill>
+                <a:schemeClr val="bg1"/>
+              </a:solidFill>
+            </a:endParaRPr>
+          </a:p>
+        </p:txBody>
+      </p:sp>
+      <p:sp>
+        <p:nvSpPr>
+          <p:cNvPr id="3" name="CuadroTexto 2">
+            <a:extLst>
+              <a:ext uri="{FF2B5EF4-FFF2-40B4-BE49-F238E27FC236}">
+                <a16:creationId xmlns:a16="http://schemas.microsoft.com/office/drawing/2014/main" id="{B7418B3F-CFF7-2AD2-84CD-A2459E817278}"/>
               </a:ext>
             </a:extLst>
           </p:cNvPr>
@@ -4117,8 +3951,8 @@
         </p:nvSpPr>
         <p:spPr>
           <a:xfrm>
-            <a:off x="452761" y="142043"/>
-            <a:ext cx="10413507" cy="707886"/>
+            <a:off x="335179" y="1326777"/>
+            <a:ext cx="11233773" cy="4801314"/>
           </a:xfrm>
           <a:prstGeom prst="rect">
             <a:avLst/>
@@ -4131,57 +3965,235 @@
           </a:bodyPr>
           <a:lstStyle/>
           <a:p>
-            <a:r>
-              <a:rPr lang="es-MX" sz="4000" noProof="0" dirty="0">
-                <a:solidFill>
-                  <a:schemeClr val="bg1"/>
-                </a:solidFill>
-              </a:rPr>
-              <a:t>Calendario semestral de la UNAM 2025-2</a:t>
-            </a:r>
-          </a:p>
-        </p:txBody>
-      </p:sp>
-      <p:pic>
-        <p:nvPicPr>
-          <p:cNvPr id="6" name="Imagen 5">
-            <a:extLst>
-              <a:ext uri="{FF2B5EF4-FFF2-40B4-BE49-F238E27FC236}">
-                <a16:creationId xmlns:a16="http://schemas.microsoft.com/office/drawing/2014/main" id="{BDBFA921-E062-EA58-5CFA-C5FF3D8FAD52}"/>
-              </a:ext>
-            </a:extLst>
-          </p:cNvPr>
-          <p:cNvPicPr>
-            <a:picLocks noChangeAspect="1"/>
-          </p:cNvPicPr>
-          <p:nvPr/>
-        </p:nvPicPr>
-        <p:blipFill>
-          <a:blip r:embed="rId2">
-            <a:extLst>
-              <a:ext uri="{28A0092B-C50C-407E-A947-70E740481C1C}">
-                <a14:useLocalDpi xmlns:a14="http://schemas.microsoft.com/office/drawing/2010/main" val="0"/>
-              </a:ext>
-            </a:extLst>
-          </a:blip>
-          <a:stretch>
-            <a:fillRect/>
-          </a:stretch>
-        </p:blipFill>
-        <p:spPr>
-          <a:xfrm>
-            <a:off x="1502257" y="925187"/>
-            <a:ext cx="9187485" cy="5268114"/>
-          </a:xfrm>
-          <a:prstGeom prst="rect">
-            <a:avLst/>
-          </a:prstGeom>
-        </p:spPr>
-      </p:pic>
+            <a:pPr algn="just">
+              <a:buNone/>
+            </a:pPr>
+            <a:r>
+              <a:rPr lang="es-MX" b="1" dirty="0"/>
+              <a:t>Ventajas</a:t>
+            </a:r>
+          </a:p>
+          <a:p>
+            <a:pPr algn="just">
+              <a:buFont typeface="Arial" panose="020B0604020202020204" pitchFamily="34" charset="0"/>
+              <a:buChar char="•"/>
+            </a:pPr>
+            <a:r>
+              <a:rPr lang="es-MX" b="1" dirty="0"/>
+              <a:t>Fáciles de entender e interpretar</a:t>
+            </a:r>
+            <a:r>
+              <a:rPr lang="es-MX" dirty="0"/>
+              <a:t>: Se parecen a decisiones humanas (tipo "si pasa esto, haz esto otro").</a:t>
+            </a:r>
+          </a:p>
+          <a:p>
+            <a:pPr algn="just">
+              <a:buFont typeface="Arial" panose="020B0604020202020204" pitchFamily="34" charset="0"/>
+              <a:buChar char="•"/>
+            </a:pPr>
+            <a:r>
+              <a:rPr lang="es-MX" b="1" dirty="0"/>
+              <a:t>No requieren mucha preparación de datos</a:t>
+            </a:r>
+            <a:r>
+              <a:rPr lang="es-MX" dirty="0"/>
+              <a:t>: Pueden manejar datos que no estén normalizados o escalados.</a:t>
+            </a:r>
+          </a:p>
+          <a:p>
+            <a:pPr algn="just">
+              <a:buFont typeface="Arial" panose="020B0604020202020204" pitchFamily="34" charset="0"/>
+              <a:buChar char="•"/>
+            </a:pPr>
+            <a:r>
+              <a:rPr lang="es-MX" b="1" dirty="0"/>
+              <a:t>Sirven para datos categóricos y numéricos</a:t>
+            </a:r>
+            <a:r>
+              <a:rPr lang="es-MX" dirty="0"/>
+              <a:t>.</a:t>
+            </a:r>
+          </a:p>
+          <a:p>
+            <a:pPr algn="just">
+              <a:buFont typeface="Arial" panose="020B0604020202020204" pitchFamily="34" charset="0"/>
+              <a:buChar char="•"/>
+            </a:pPr>
+            <a:r>
+              <a:rPr lang="es-MX" b="1" dirty="0"/>
+              <a:t>Pueden capturar relaciones no lineales</a:t>
+            </a:r>
+            <a:r>
+              <a:rPr lang="es-MX" dirty="0"/>
+              <a:t> entre las variables de entrada y la salida.</a:t>
+            </a:r>
+          </a:p>
+          <a:p>
+            <a:pPr algn="just">
+              <a:buFont typeface="Arial" panose="020B0604020202020204" pitchFamily="34" charset="0"/>
+              <a:buChar char="•"/>
+            </a:pPr>
+            <a:r>
+              <a:rPr lang="es-MX" b="1" dirty="0"/>
+              <a:t>Función de costo barata</a:t>
+            </a:r>
+            <a:r>
+              <a:rPr lang="es-MX" dirty="0"/>
+              <a:t>: Son rápidos para entrenar y para hacer predicciones en problemas pequeños o medianos.</a:t>
+            </a:r>
+          </a:p>
+          <a:p>
+            <a:pPr algn="just">
+              <a:buFont typeface="Arial" panose="020B0604020202020204" pitchFamily="34" charset="0"/>
+              <a:buChar char="•"/>
+            </a:pPr>
+            <a:r>
+              <a:rPr lang="es-MX" b="1" dirty="0"/>
+              <a:t>Modelos transparentes</a:t>
+            </a:r>
+            <a:r>
+              <a:rPr lang="es-MX" dirty="0"/>
+              <a:t>: Puedes visualizar el árbol y explicar cada predicción paso a paso.</a:t>
+            </a:r>
+          </a:p>
+          <a:p>
+            <a:pPr algn="just"/>
+            <a:endParaRPr lang="en-US" dirty="0"/>
+          </a:p>
+          <a:p>
+            <a:pPr algn="just">
+              <a:buNone/>
+            </a:pPr>
+            <a:r>
+              <a:rPr lang="es-MX" b="1" dirty="0"/>
+              <a:t>Desventajas</a:t>
+            </a:r>
+          </a:p>
+          <a:p>
+            <a:pPr algn="just">
+              <a:buFont typeface="Arial" panose="020B0604020202020204" pitchFamily="34" charset="0"/>
+              <a:buChar char="•"/>
+            </a:pPr>
+            <a:r>
+              <a:rPr lang="es-MX" b="1" dirty="0"/>
+              <a:t>Fácilmente </a:t>
+            </a:r>
+            <a:r>
+              <a:rPr lang="es-MX" b="1" dirty="0" err="1"/>
+              <a:t>sobreajustables</a:t>
+            </a:r>
+            <a:r>
+              <a:rPr lang="es-MX" dirty="0"/>
+              <a:t> (</a:t>
+            </a:r>
+            <a:r>
+              <a:rPr lang="es-MX" dirty="0" err="1"/>
+              <a:t>overfitting</a:t>
+            </a:r>
+            <a:r>
+              <a:rPr lang="es-MX" dirty="0"/>
+              <a:t>): Especialmente si el árbol es muy profundo o no se poda correctamente.</a:t>
+            </a:r>
+          </a:p>
+          <a:p>
+            <a:pPr algn="just">
+              <a:buFont typeface="Arial" panose="020B0604020202020204" pitchFamily="34" charset="0"/>
+              <a:buChar char="•"/>
+            </a:pPr>
+            <a:r>
+              <a:rPr lang="es-MX" b="1" dirty="0"/>
+              <a:t>Inestables</a:t>
+            </a:r>
+            <a:r>
+              <a:rPr lang="es-MX" dirty="0"/>
+              <a:t>: Cambios pequeños en los datos pueden cambiar totalmente la estructura del árbol.</a:t>
+            </a:r>
+          </a:p>
+          <a:p>
+            <a:pPr algn="just">
+              <a:buFont typeface="Arial" panose="020B0604020202020204" pitchFamily="34" charset="0"/>
+              <a:buChar char="•"/>
+            </a:pPr>
+            <a:r>
+              <a:rPr lang="es-MX" b="1" dirty="0"/>
+              <a:t>Sesgo hacia clases dominantes</a:t>
+            </a:r>
+            <a:r>
+              <a:rPr lang="es-MX" dirty="0"/>
+              <a:t>: Si hay clases desbalanceadas, los árboles tienden a favorecer la clase mayoritaria.</a:t>
+            </a:r>
+          </a:p>
+          <a:p>
+            <a:pPr algn="just">
+              <a:buFont typeface="Arial" panose="020B0604020202020204" pitchFamily="34" charset="0"/>
+              <a:buChar char="•"/>
+            </a:pPr>
+            <a:r>
+              <a:rPr lang="es-MX" b="1" dirty="0"/>
+              <a:t>No siempre logran el rendimiento máximo</a:t>
+            </a:r>
+            <a:r>
+              <a:rPr lang="es-MX" dirty="0"/>
+              <a:t>: Modelos como </a:t>
+            </a:r>
+            <a:r>
+              <a:rPr lang="es-MX" dirty="0" err="1"/>
+              <a:t>Random</a:t>
+            </a:r>
+            <a:r>
+              <a:rPr lang="es-MX" dirty="0"/>
+              <a:t> Forest o </a:t>
+            </a:r>
+            <a:r>
+              <a:rPr lang="es-MX" dirty="0" err="1"/>
+              <a:t>XGBoost</a:t>
+            </a:r>
+            <a:r>
+              <a:rPr lang="es-MX" dirty="0"/>
+              <a:t> (que combinan varios árboles) suelen ganar en precisión.</a:t>
+            </a:r>
+          </a:p>
+          <a:p>
+            <a:pPr algn="just">
+              <a:buFont typeface="Arial" panose="020B0604020202020204" pitchFamily="34" charset="0"/>
+              <a:buChar char="•"/>
+            </a:pPr>
+            <a:r>
+              <a:rPr lang="es-MX" b="1" dirty="0"/>
+              <a:t>Crecimiento exponencial</a:t>
+            </a:r>
+            <a:r>
+              <a:rPr lang="es-MX" dirty="0"/>
+              <a:t>: Para </a:t>
+            </a:r>
+            <a:r>
+              <a:rPr lang="es-MX" dirty="0" err="1"/>
+              <a:t>datasets</a:t>
+            </a:r>
+            <a:r>
+              <a:rPr lang="es-MX" dirty="0"/>
+              <a:t> muy grandes o con muchas </a:t>
+            </a:r>
+            <a:r>
+              <a:rPr lang="es-MX" dirty="0" err="1"/>
+              <a:t>features</a:t>
+            </a:r>
+            <a:r>
+              <a:rPr lang="es-MX" dirty="0"/>
+              <a:t>, los árboles puros se vuelven inmanejables o ineficientes.</a:t>
+            </a:r>
+          </a:p>
+          <a:p>
+            <a:pPr algn="just"/>
+            <a:endParaRPr lang="en-US" dirty="0"/>
+          </a:p>
+        </p:txBody>
+      </p:sp>
     </p:spTree>
     <p:extLst>
       <p:ext uri="{BB962C8B-B14F-4D97-AF65-F5344CB8AC3E}">
-        <p14:creationId xmlns:p14="http://schemas.microsoft.com/office/powerpoint/2010/main" val="2382521265"/>
+        <p14:creationId xmlns:p14="http://schemas.microsoft.com/office/powerpoint/2010/main" val="1833732033"/>
       </p:ext>
     </p:extLst>
   </p:cSld>
@@ -4210,10 +4222,10 @@
       </p:grpSpPr>
       <p:sp>
         <p:nvSpPr>
-          <p:cNvPr id="3" name="CuadroTexto 2">
-            <a:extLst>
-              <a:ext uri="{FF2B5EF4-FFF2-40B4-BE49-F238E27FC236}">
-                <a16:creationId xmlns:a16="http://schemas.microsoft.com/office/drawing/2014/main" id="{D7BB90BD-D08C-4B70-82D2-3F6EF7A955DD}"/>
+          <p:cNvPr id="4" name="CuadroTexto 3">
+            <a:extLst>
+              <a:ext uri="{FF2B5EF4-FFF2-40B4-BE49-F238E27FC236}">
+                <a16:creationId xmlns:a16="http://schemas.microsoft.com/office/drawing/2014/main" id="{C4613810-F88F-0AC6-3A3A-786A815C10FC}"/>
               </a:ext>
             </a:extLst>
           </p:cNvPr>
@@ -4222,8 +4234,8 @@
         </p:nvSpPr>
         <p:spPr>
           <a:xfrm>
-            <a:off x="452761" y="142043"/>
-            <a:ext cx="10413507" cy="707886"/>
+            <a:off x="838200" y="1690688"/>
+            <a:ext cx="10515600" cy="4204356"/>
           </a:xfrm>
           <a:prstGeom prst="rect">
             <a:avLst/>
@@ -4231,38 +4243,161 @@
           <a:noFill/>
         </p:spPr>
         <p:txBody>
-          <a:bodyPr wrap="square" rtlCol="0">
+          <a:bodyPr wrap="square">
             <a:spAutoFit/>
           </a:bodyPr>
           <a:lstStyle/>
           <a:p>
-            <a:r>
-              <a:rPr lang="es-MX" sz="4000" noProof="0" dirty="0">
+            <a:pPr>
+              <a:lnSpc>
+                <a:spcPct val="150000"/>
+              </a:lnSpc>
+              <a:buNone/>
+            </a:pPr>
+            <a:r>
+              <a:rPr lang="es-MX" b="1" dirty="0"/>
+              <a:t>Ejemplos de cuándo SÍ conviene usar Árboles de Decisión:</a:t>
+            </a:r>
+          </a:p>
+          <a:p>
+            <a:pPr>
+              <a:lnSpc>
+                <a:spcPct val="150000"/>
+              </a:lnSpc>
+              <a:buFont typeface="Arial" panose="020B0604020202020204" pitchFamily="34" charset="0"/>
+              <a:buChar char="•"/>
+            </a:pPr>
+            <a:r>
+              <a:rPr lang="es-MX" b="1" dirty="0"/>
+              <a:t>Problemas explicables</a:t>
+            </a:r>
+            <a:r>
+              <a:rPr lang="es-MX" dirty="0"/>
+              <a:t>:</a:t>
+            </a:r>
+            <a:br>
+              <a:rPr lang="es-MX" dirty="0"/>
+            </a:br>
+            <a:r>
+              <a:rPr lang="es-MX" dirty="0"/>
+              <a:t>Cuando necesitas justificar o mostrar el "por qué" de una predicción (por ejemplo en sectores médicos, legales o financieros).</a:t>
+            </a:r>
+          </a:p>
+          <a:p>
+            <a:pPr>
+              <a:lnSpc>
+                <a:spcPct val="150000"/>
+              </a:lnSpc>
+              <a:buFont typeface="Arial" panose="020B0604020202020204" pitchFamily="34" charset="0"/>
+              <a:buChar char="•"/>
+            </a:pPr>
+            <a:r>
+              <a:rPr lang="es-MX" b="1" dirty="0"/>
+              <a:t>Prototipado rápido</a:t>
+            </a:r>
+            <a:r>
+              <a:rPr lang="es-MX" dirty="0"/>
+              <a:t>:</a:t>
+            </a:r>
+            <a:br>
+              <a:rPr lang="es-MX" dirty="0"/>
+            </a:br>
+            <a:r>
+              <a:rPr lang="es-MX" dirty="0"/>
+              <a:t>Cuando quieres crear una primera versión de tu modelo para entender relaciones importantes en los datos.</a:t>
+            </a:r>
+          </a:p>
+          <a:p>
+            <a:pPr>
+              <a:lnSpc>
+                <a:spcPct val="150000"/>
+              </a:lnSpc>
+              <a:buFont typeface="Arial" panose="020B0604020202020204" pitchFamily="34" charset="0"/>
+              <a:buChar char="•"/>
+            </a:pPr>
+            <a:r>
+              <a:rPr lang="es-MX" b="1" dirty="0" err="1"/>
+              <a:t>Features</a:t>
+            </a:r>
+            <a:r>
+              <a:rPr lang="es-MX" b="1" dirty="0"/>
+              <a:t> mixtas</a:t>
+            </a:r>
+            <a:r>
+              <a:rPr lang="es-MX" dirty="0"/>
+              <a:t>:</a:t>
+            </a:r>
+            <a:br>
+              <a:rPr lang="es-MX" dirty="0"/>
+            </a:br>
+            <a:r>
+              <a:rPr lang="es-MX" dirty="0"/>
+              <a:t>Cuando tienes tanto variables numéricas como categóricas y quieres evitar preprocesar demasiado.</a:t>
+            </a:r>
+          </a:p>
+          <a:p>
+            <a:pPr>
+              <a:lnSpc>
+                <a:spcPct val="150000"/>
+              </a:lnSpc>
+              <a:buFont typeface="Arial" panose="020B0604020202020204" pitchFamily="34" charset="0"/>
+              <a:buChar char="•"/>
+            </a:pPr>
+            <a:r>
+              <a:rPr lang="es-MX" b="1" dirty="0"/>
+              <a:t>Recursos limitados</a:t>
+            </a:r>
+            <a:r>
+              <a:rPr lang="es-MX" dirty="0"/>
+              <a:t>:</a:t>
+            </a:r>
+            <a:br>
+              <a:rPr lang="es-MX" dirty="0"/>
+            </a:br>
+            <a:r>
+              <a:rPr lang="es-MX" dirty="0"/>
+              <a:t>Cuando tu hardware o tiempo de cómputo es limitado y un modelo rápido es suficiente.</a:t>
+            </a:r>
+          </a:p>
+        </p:txBody>
+      </p:sp>
+      <p:sp>
+        <p:nvSpPr>
+          <p:cNvPr id="5" name="Título 1">
+            <a:extLst>
+              <a:ext uri="{FF2B5EF4-FFF2-40B4-BE49-F238E27FC236}">
+                <a16:creationId xmlns:a16="http://schemas.microsoft.com/office/drawing/2014/main" id="{AB0A0A49-92A3-AD1D-762A-15C08EBF7C4A}"/>
+              </a:ext>
+            </a:extLst>
+          </p:cNvPr>
+          <p:cNvSpPr>
+            <a:spLocks noGrp="1"/>
+          </p:cNvSpPr>
+          <p:nvPr>
+            <p:ph type="title"/>
+          </p:nvPr>
+        </p:nvSpPr>
+        <p:spPr>
+          <a:xfrm>
+            <a:off x="838200" y="365125"/>
+            <a:ext cx="10515600" cy="522381"/>
+          </a:xfrm>
+        </p:spPr>
+        <p:txBody>
+          <a:bodyPr>
+            <a:normAutofit fontScale="90000"/>
+          </a:bodyPr>
+          <a:lstStyle/>
+          <a:p>
+            <a:r>
+              <a:rPr lang="es-MX" b="1" dirty="0">
                 <a:solidFill>
                   <a:schemeClr val="bg1"/>
                 </a:solidFill>
               </a:rPr>
-              <a:t>Temario. </a:t>
-            </a:r>
-            <a:r>
-              <a:rPr lang="es-MX" sz="4000" b="0" i="0" u="none" strike="noStrike" baseline="0" noProof="0" dirty="0">
-                <a:solidFill>
-                  <a:schemeClr val="bg1"/>
-                </a:solidFill>
-                <a:latin typeface="Calibri" panose="020F0502020204030204" pitchFamily="34" charset="0"/>
-              </a:rPr>
-              <a:t>Machine </a:t>
-            </a:r>
-            <a:r>
-              <a:rPr lang="es-MX" sz="4000" b="0" i="0" u="none" strike="noStrike" baseline="0" noProof="0" dirty="0" err="1">
-                <a:solidFill>
-                  <a:schemeClr val="bg1"/>
-                </a:solidFill>
-                <a:latin typeface="Calibri" panose="020F0502020204030204" pitchFamily="34" charset="0"/>
-              </a:rPr>
-              <a:t>Learning</a:t>
-            </a:r>
-            <a:endParaRPr lang="es-MX" sz="4000" noProof="0" dirty="0">
+              <a:t>Árboles de decisión</a:t>
+            </a:r>
+            <a:endParaRPr lang="en-US" b="1" dirty="0">
               <a:solidFill>
                 <a:schemeClr val="bg1"/>
               </a:solidFill>
@@ -4270,12 +4405,260 @@
           </a:p>
         </p:txBody>
       </p:sp>
-      <p:sp>
-        <p:nvSpPr>
-          <p:cNvPr id="5" name="CuadroTexto 4">
-            <a:extLst>
-              <a:ext uri="{FF2B5EF4-FFF2-40B4-BE49-F238E27FC236}">
-                <a16:creationId xmlns:a16="http://schemas.microsoft.com/office/drawing/2014/main" id="{2841DA9F-4E63-D991-E641-73FBC8F12D45}"/>
+    </p:spTree>
+    <p:extLst>
+      <p:ext uri="{BB962C8B-B14F-4D97-AF65-F5344CB8AC3E}">
+        <p14:creationId xmlns:p14="http://schemas.microsoft.com/office/powerpoint/2010/main" val="4185648401"/>
+      </p:ext>
+    </p:extLst>
+  </p:cSld>
+  <p:clrMapOvr>
+    <a:masterClrMapping/>
+  </p:clrMapOvr>
+</p:sld>
+</file>
+
+<file path=ppt/slides/slide5.xml><?xml version="1.0" encoding="utf-8"?>
+<p:sld xmlns:a="http://schemas.openxmlformats.org/drawingml/2006/main" xmlns:r="http://schemas.openxmlformats.org/officeDocument/2006/relationships" xmlns:p="http://schemas.openxmlformats.org/presentationml/2006/main">
+  <p:cSld>
+    <p:spTree>
+      <p:nvGrpSpPr>
+        <p:cNvPr id="1" name=""/>
+        <p:cNvGrpSpPr/>
+        <p:nvPr/>
+      </p:nvGrpSpPr>
+      <p:grpSpPr>
+        <a:xfrm>
+          <a:off x="0" y="0"/>
+          <a:ext cx="0" cy="0"/>
+          <a:chOff x="0" y="0"/>
+          <a:chExt cx="0" cy="0"/>
+        </a:xfrm>
+      </p:grpSpPr>
+      <p:pic>
+        <p:nvPicPr>
+          <p:cNvPr id="2050" name="Picture 2" descr="Learn ML Algorithms by coding: Decision Trees | by Rahul | Lethal Brains">
+            <a:extLst>
+              <a:ext uri="{FF2B5EF4-FFF2-40B4-BE49-F238E27FC236}">
+                <a16:creationId xmlns:a16="http://schemas.microsoft.com/office/drawing/2014/main" id="{AE5FF4BE-2F8F-8E8D-3827-1443391403A9}"/>
+              </a:ext>
+            </a:extLst>
+          </p:cNvPr>
+          <p:cNvPicPr>
+            <a:picLocks noChangeAspect="1" noChangeArrowheads="1"/>
+          </p:cNvPicPr>
+          <p:nvPr/>
+        </p:nvPicPr>
+        <p:blipFill rotWithShape="1">
+          <a:blip r:embed="rId2">
+            <a:extLst>
+              <a:ext uri="{28A0092B-C50C-407E-A947-70E740481C1C}">
+                <a14:useLocalDpi xmlns:a14="http://schemas.microsoft.com/office/drawing/2010/main" val="0"/>
+              </a:ext>
+            </a:extLst>
+          </a:blip>
+          <a:srcRect t="18823"/>
+          <a:stretch/>
+        </p:blipFill>
+        <p:spPr bwMode="auto">
+          <a:xfrm>
+            <a:off x="219077" y="1828526"/>
+            <a:ext cx="6227048" cy="3604086"/>
+          </a:xfrm>
+          <a:prstGeom prst="rect">
+            <a:avLst/>
+          </a:prstGeom>
+          <a:noFill/>
+          <a:extLst>
+            <a:ext uri="{909E8E84-426E-40DD-AFC4-6F175D3DCCD1}">
+              <a14:hiddenFill xmlns:a14="http://schemas.microsoft.com/office/drawing/2010/main">
+                <a:solidFill>
+                  <a:srgbClr val="FFFFFF"/>
+                </a:solidFill>
+              </a14:hiddenFill>
+            </a:ext>
+          </a:extLst>
+        </p:spPr>
+      </p:pic>
+      <p:sp>
+        <p:nvSpPr>
+          <p:cNvPr id="3" name="Título 1">
+            <a:extLst>
+              <a:ext uri="{FF2B5EF4-FFF2-40B4-BE49-F238E27FC236}">
+                <a16:creationId xmlns:a16="http://schemas.microsoft.com/office/drawing/2014/main" id="{054446C6-936E-648D-38CE-F85E7D423444}"/>
+              </a:ext>
+            </a:extLst>
+          </p:cNvPr>
+          <p:cNvSpPr>
+            <a:spLocks noGrp="1"/>
+          </p:cNvSpPr>
+          <p:nvPr>
+            <p:ph type="title"/>
+          </p:nvPr>
+        </p:nvSpPr>
+        <p:spPr>
+          <a:xfrm>
+            <a:off x="838200" y="365125"/>
+            <a:ext cx="10515600" cy="522381"/>
+          </a:xfrm>
+        </p:spPr>
+        <p:txBody>
+          <a:bodyPr>
+            <a:normAutofit fontScale="90000"/>
+          </a:bodyPr>
+          <a:lstStyle/>
+          <a:p>
+            <a:r>
+              <a:rPr lang="es-MX" b="1" dirty="0">
+                <a:solidFill>
+                  <a:schemeClr val="bg1"/>
+                </a:solidFill>
+              </a:rPr>
+              <a:t>Árbol de decisión </a:t>
+            </a:r>
+            <a:r>
+              <a:rPr lang="es-MX" b="1" dirty="0" err="1">
+                <a:solidFill>
+                  <a:schemeClr val="bg1"/>
+                </a:solidFill>
+              </a:rPr>
+              <a:t>sobreajustado</a:t>
+            </a:r>
+            <a:endParaRPr lang="en-US" b="1" dirty="0">
+              <a:solidFill>
+                <a:schemeClr val="bg1"/>
+              </a:solidFill>
+            </a:endParaRPr>
+          </a:p>
+        </p:txBody>
+      </p:sp>
+      <p:pic>
+        <p:nvPicPr>
+          <p:cNvPr id="2052" name="Picture 4">
+            <a:extLst>
+              <a:ext uri="{FF2B5EF4-FFF2-40B4-BE49-F238E27FC236}">
+                <a16:creationId xmlns:a16="http://schemas.microsoft.com/office/drawing/2014/main" id="{FECD2382-327B-7335-2CFB-7D7ABAD2420E}"/>
+              </a:ext>
+            </a:extLst>
+          </p:cNvPr>
+          <p:cNvPicPr>
+            <a:picLocks noChangeAspect="1" noChangeArrowheads="1"/>
+          </p:cNvPicPr>
+          <p:nvPr/>
+        </p:nvPicPr>
+        <p:blipFill>
+          <a:blip r:embed="rId3">
+            <a:extLst>
+              <a:ext uri="{28A0092B-C50C-407E-A947-70E740481C1C}">
+                <a14:useLocalDpi xmlns:a14="http://schemas.microsoft.com/office/drawing/2010/main" val="0"/>
+              </a:ext>
+            </a:extLst>
+          </a:blip>
+          <a:srcRect/>
+          <a:stretch>
+            <a:fillRect/>
+          </a:stretch>
+        </p:blipFill>
+        <p:spPr bwMode="auto">
+          <a:xfrm>
+            <a:off x="7306234" y="1969857"/>
+            <a:ext cx="4428565" cy="3321424"/>
+          </a:xfrm>
+          <a:prstGeom prst="rect">
+            <a:avLst/>
+          </a:prstGeom>
+          <a:noFill/>
+          <a:extLst>
+            <a:ext uri="{909E8E84-426E-40DD-AFC4-6F175D3DCCD1}">
+              <a14:hiddenFill xmlns:a14="http://schemas.microsoft.com/office/drawing/2010/main">
+                <a:solidFill>
+                  <a:srgbClr val="FFFFFF"/>
+                </a:solidFill>
+              </a14:hiddenFill>
+            </a:ext>
+          </a:extLst>
+        </p:spPr>
+      </p:pic>
+    </p:spTree>
+    <p:extLst>
+      <p:ext uri="{BB962C8B-B14F-4D97-AF65-F5344CB8AC3E}">
+        <p14:creationId xmlns:p14="http://schemas.microsoft.com/office/powerpoint/2010/main" val="2558216805"/>
+      </p:ext>
+    </p:extLst>
+  </p:cSld>
+  <p:clrMapOvr>
+    <a:masterClrMapping/>
+  </p:clrMapOvr>
+</p:sld>
+</file>
+
+<file path=ppt/slides/slide6.xml><?xml version="1.0" encoding="utf-8"?>
+<p:sld xmlns:a="http://schemas.openxmlformats.org/drawingml/2006/main" xmlns:r="http://schemas.openxmlformats.org/officeDocument/2006/relationships" xmlns:p="http://schemas.openxmlformats.org/presentationml/2006/main">
+  <p:cSld>
+    <p:spTree>
+      <p:nvGrpSpPr>
+        <p:cNvPr id="1" name=""/>
+        <p:cNvGrpSpPr/>
+        <p:nvPr/>
+      </p:nvGrpSpPr>
+      <p:grpSpPr>
+        <a:xfrm>
+          <a:off x="0" y="0"/>
+          <a:ext cx="0" cy="0"/>
+          <a:chOff x="0" y="0"/>
+          <a:chExt cx="0" cy="0"/>
+        </a:xfrm>
+      </p:grpSpPr>
+      <p:sp>
+        <p:nvSpPr>
+          <p:cNvPr id="2" name="Título 1">
+            <a:extLst>
+              <a:ext uri="{FF2B5EF4-FFF2-40B4-BE49-F238E27FC236}">
+                <a16:creationId xmlns:a16="http://schemas.microsoft.com/office/drawing/2014/main" id="{E7548886-3F69-4CC4-AC39-7DF7B9887A95}"/>
+              </a:ext>
+            </a:extLst>
+          </p:cNvPr>
+          <p:cNvSpPr>
+            <a:spLocks noGrp="1"/>
+          </p:cNvSpPr>
+          <p:nvPr>
+            <p:ph type="title"/>
+          </p:nvPr>
+        </p:nvSpPr>
+        <p:spPr>
+          <a:xfrm>
+            <a:off x="838200" y="365126"/>
+            <a:ext cx="10515600" cy="531346"/>
+          </a:xfrm>
+        </p:spPr>
+        <p:txBody>
+          <a:bodyPr>
+            <a:normAutofit fontScale="90000"/>
+          </a:bodyPr>
+          <a:lstStyle/>
+          <a:p>
+            <a:r>
+              <a:rPr lang="es-MX" b="1" dirty="0">
+                <a:solidFill>
+                  <a:schemeClr val="bg1"/>
+                </a:solidFill>
+              </a:rPr>
+              <a:t>Ejemplo árbol de regresión. Iris</a:t>
+            </a:r>
+            <a:endParaRPr lang="en-US" b="1" dirty="0">
+              <a:solidFill>
+                <a:schemeClr val="bg1"/>
+              </a:solidFill>
+            </a:endParaRPr>
+          </a:p>
+        </p:txBody>
+      </p:sp>
+      <p:sp>
+        <p:nvSpPr>
+          <p:cNvPr id="4" name="CuadroTexto 3">
+            <a:extLst>
+              <a:ext uri="{FF2B5EF4-FFF2-40B4-BE49-F238E27FC236}">
+                <a16:creationId xmlns:a16="http://schemas.microsoft.com/office/drawing/2014/main" id="{07C6431F-8DE6-B1C0-E0C1-9CA4C5E688B3}"/>
               </a:ext>
             </a:extLst>
           </p:cNvPr>
@@ -4284,8 +4667,8 @@
         </p:nvSpPr>
         <p:spPr>
           <a:xfrm>
-            <a:off x="789438" y="1272802"/>
-            <a:ext cx="4320444" cy="3447098"/>
+            <a:off x="477370" y="1471590"/>
+            <a:ext cx="11078136" cy="923330"/>
           </a:xfrm>
           <a:prstGeom prst="rect">
             <a:avLst/>
@@ -4299,185 +4682,485 @@
           <a:lstStyle/>
           <a:p>
             <a:r>
-              <a:rPr lang="es-MX" sz="2800" i="0" u="none" strike="noStrike" baseline="0" noProof="0" dirty="0">
-                <a:ln w="0"/>
-                <a:solidFill>
-                  <a:schemeClr val="accent1"/>
-                </a:solidFill>
-                <a:effectLst>
-                  <a:outerShdw blurRad="38100" dist="25400" dir="5400000" algn="ctr" rotWithShape="0">
-                    <a:srgbClr val="6E747A">
-                      <a:alpha val="43000"/>
-                    </a:srgbClr>
-                  </a:outerShdw>
-                </a:effectLst>
-                <a:latin typeface="Calibri" panose="020F0502020204030204" pitchFamily="34" charset="0"/>
+              <a:rPr lang="en-US" b="1" i="1" dirty="0">
+                <a:solidFill>
+                  <a:srgbClr val="222832"/>
+                </a:solidFill>
+                <a:effectLst/>
+                <a:latin typeface="SFMono-Regular"/>
               </a:rPr>
-              <a:t>Aprendizaje no supervisado </a:t>
-            </a:r>
-          </a:p>
-          <a:p>
-            <a:pPr marL="285750" indent="-285750">
-              <a:buFont typeface="Arial" panose="020B0604020202020204" pitchFamily="34" charset="0"/>
-              <a:buChar char="•"/>
-            </a:pPr>
-            <a:r>
-              <a:rPr lang="es-MX" sz="1800" b="0" i="0" u="none" strike="noStrike" baseline="0" noProof="0" dirty="0">
-                <a:solidFill>
-                  <a:srgbClr val="000000"/>
-                </a:solidFill>
-                <a:latin typeface="Calibri" panose="020F0502020204030204" pitchFamily="34" charset="0"/>
+              <a:t>class </a:t>
+            </a:r>
+            <a:r>
+              <a:rPr lang="en-US" b="1" i="0" dirty="0" err="1">
+                <a:solidFill>
+                  <a:srgbClr val="222832"/>
+                </a:solidFill>
+                <a:effectLst/>
+                <a:latin typeface="SFMono-Regular"/>
               </a:rPr>
-              <a:t>Reducción de dimensionalidad </a:t>
-            </a:r>
-          </a:p>
-          <a:p>
-            <a:pPr marL="285750" indent="-285750">
-              <a:buFont typeface="Arial" panose="020B0604020202020204" pitchFamily="34" charset="0"/>
-              <a:buChar char="•"/>
-            </a:pPr>
-            <a:r>
-              <a:rPr lang="es-MX" sz="1800" b="0" i="0" u="none" strike="noStrike" baseline="0" noProof="0" dirty="0">
-                <a:solidFill>
-                  <a:srgbClr val="000000"/>
-                </a:solidFill>
-                <a:latin typeface="Calibri" panose="020F0502020204030204" pitchFamily="34" charset="0"/>
+              <a:t>sklearn.tree.</a:t>
+            </a:r>
+            <a:r>
+              <a:rPr lang="en-US" b="1" i="0" dirty="0" err="1">
+                <a:solidFill>
+                  <a:srgbClr val="912583"/>
+                </a:solidFill>
+                <a:effectLst/>
+                <a:latin typeface="SFMono-Regular"/>
               </a:rPr>
-              <a:t>Agrupamiento k-medias </a:t>
-            </a:r>
-          </a:p>
-          <a:p>
-            <a:pPr marL="285750" indent="-285750">
-              <a:buFont typeface="Arial" panose="020B0604020202020204" pitchFamily="34" charset="0"/>
-              <a:buChar char="•"/>
-            </a:pPr>
-            <a:r>
-              <a:rPr lang="es-MX" sz="1800" b="0" i="0" u="none" strike="noStrike" baseline="0" noProof="0" dirty="0">
-                <a:solidFill>
-                  <a:srgbClr val="000000"/>
-                </a:solidFill>
-                <a:latin typeface="Calibri" panose="020F0502020204030204" pitchFamily="34" charset="0"/>
+              <a:t>DecisionTreeClassifier</a:t>
+            </a:r>
+            <a:r>
+              <a:rPr lang="en-US" b="1" i="0" dirty="0">
+                <a:solidFill>
+                  <a:srgbClr val="222832"/>
+                </a:solidFill>
+                <a:effectLst/>
+                <a:latin typeface="SFMono-Regular"/>
               </a:rPr>
-              <a:t>Agrupamiento con Modelos Gaussianos </a:t>
-            </a:r>
-          </a:p>
-          <a:p>
-            <a:pPr marL="285750" indent="-285750">
-              <a:buFont typeface="Arial" panose="020B0604020202020204" pitchFamily="34" charset="0"/>
-              <a:buChar char="•"/>
-            </a:pPr>
-            <a:r>
-              <a:rPr lang="es-MX" sz="1800" b="0" i="0" u="none" strike="noStrike" baseline="0" noProof="0" dirty="0">
-                <a:solidFill>
-                  <a:srgbClr val="000000"/>
-                </a:solidFill>
-                <a:latin typeface="Calibri" panose="020F0502020204030204" pitchFamily="34" charset="0"/>
+              <a:t>(</a:t>
+            </a:r>
+            <a:r>
+              <a:rPr lang="en-US" b="0" i="1" dirty="0">
+                <a:solidFill>
+                  <a:srgbClr val="48566B"/>
+                </a:solidFill>
+                <a:effectLst/>
+                <a:latin typeface="SFMono-Regular"/>
               </a:rPr>
-              <a:t>Agrupamiento jerárquico </a:t>
-            </a:r>
-          </a:p>
-          <a:p>
-            <a:r>
-              <a:rPr lang="es-MX" sz="2800" i="0" u="none" strike="noStrike" baseline="0" noProof="0" dirty="0">
-                <a:ln w="0"/>
-                <a:solidFill>
-                  <a:schemeClr val="accent1"/>
-                </a:solidFill>
-                <a:effectLst>
-                  <a:outerShdw blurRad="38100" dist="25400" dir="5400000" algn="ctr" rotWithShape="0">
-                    <a:srgbClr val="6E747A">
-                      <a:alpha val="43000"/>
-                    </a:srgbClr>
-                  </a:outerShdw>
-                </a:effectLst>
-                <a:latin typeface="Calibri" panose="020F0502020204030204" pitchFamily="34" charset="0"/>
+              <a:t>*</a:t>
+            </a:r>
+            <a:r>
+              <a:rPr lang="en-US" b="1" i="0" dirty="0">
+                <a:solidFill>
+                  <a:srgbClr val="222832"/>
+                </a:solidFill>
+                <a:effectLst/>
+                <a:latin typeface="SFMono-Regular"/>
               </a:rPr>
-              <a:t>Aprendizaje supervisado </a:t>
-            </a:r>
-          </a:p>
-          <a:p>
-            <a:pPr marL="285750" indent="-285750">
-              <a:buFont typeface="Arial" panose="020B0604020202020204" pitchFamily="34" charset="0"/>
-              <a:buChar char="•"/>
-            </a:pPr>
-            <a:r>
-              <a:rPr lang="es-MX" sz="1800" b="0" i="0" u="none" strike="noStrike" baseline="0" noProof="0" dirty="0">
-                <a:solidFill>
-                  <a:srgbClr val="000000"/>
-                </a:solidFill>
-                <a:latin typeface="Calibri" panose="020F0502020204030204" pitchFamily="34" charset="0"/>
+              <a:t>, </a:t>
+            </a:r>
+            <a:r>
+              <a:rPr lang="en-US" b="1" i="1" dirty="0">
+                <a:solidFill>
+                  <a:srgbClr val="222832"/>
+                </a:solidFill>
+                <a:effectLst/>
+                <a:latin typeface="SFMono-Regular"/>
               </a:rPr>
-              <a:t>Clasificación de vecinos más cercanos </a:t>
-            </a:r>
-          </a:p>
-          <a:p>
-            <a:pPr marL="285750" indent="-285750">
-              <a:buFont typeface="Arial" panose="020B0604020202020204" pitchFamily="34" charset="0"/>
-              <a:buChar char="•"/>
-            </a:pPr>
-            <a:r>
-              <a:rPr lang="es-MX" sz="1800" b="0" i="0" u="none" strike="noStrike" baseline="0" noProof="0" dirty="0">
-                <a:solidFill>
-                  <a:srgbClr val="000000"/>
-                </a:solidFill>
-                <a:latin typeface="Calibri" panose="020F0502020204030204" pitchFamily="34" charset="0"/>
+              <a:t>criterion</a:t>
+            </a:r>
+            <a:r>
+              <a:rPr lang="en-US" b="0" i="1" dirty="0">
+                <a:solidFill>
+                  <a:srgbClr val="48566B"/>
+                </a:solidFill>
+                <a:effectLst/>
+                <a:latin typeface="SFMono-Regular"/>
               </a:rPr>
-              <a:t>Arboles de clasificación </a:t>
-            </a:r>
-          </a:p>
-          <a:p>
-            <a:pPr marL="285750" indent="-285750">
-              <a:buFont typeface="Arial" panose="020B0604020202020204" pitchFamily="34" charset="0"/>
-              <a:buChar char="•"/>
-            </a:pPr>
-            <a:r>
-              <a:rPr lang="es-MX" sz="1800" b="0" i="0" u="none" strike="noStrike" baseline="0" noProof="0" dirty="0">
-                <a:solidFill>
-                  <a:srgbClr val="000000"/>
-                </a:solidFill>
-                <a:latin typeface="Calibri" panose="020F0502020204030204" pitchFamily="34" charset="0"/>
+              <a:t>='</a:t>
+            </a:r>
+            <a:r>
+              <a:rPr lang="en-US" b="0" i="1" dirty="0" err="1">
+                <a:solidFill>
+                  <a:srgbClr val="48566B"/>
+                </a:solidFill>
+                <a:effectLst/>
+                <a:latin typeface="SFMono-Regular"/>
               </a:rPr>
-              <a:t>Clasificación Gaussiana </a:t>
-            </a:r>
-          </a:p>
-          <a:p>
-            <a:pPr marL="285750" indent="-285750">
-              <a:buFont typeface="Arial" panose="020B0604020202020204" pitchFamily="34" charset="0"/>
-              <a:buChar char="•"/>
-            </a:pPr>
-            <a:r>
-              <a:rPr lang="es-MX" sz="1800" b="0" i="0" u="none" strike="noStrike" baseline="0" noProof="0" dirty="0">
-                <a:solidFill>
-                  <a:srgbClr val="000000"/>
-                </a:solidFill>
-                <a:latin typeface="Calibri" panose="020F0502020204030204" pitchFamily="34" charset="0"/>
+              <a:t>gini</a:t>
+            </a:r>
+            <a:r>
+              <a:rPr lang="en-US" b="0" i="1" dirty="0">
+                <a:solidFill>
+                  <a:srgbClr val="48566B"/>
+                </a:solidFill>
+                <a:effectLst/>
+                <a:latin typeface="SFMono-Regular"/>
               </a:rPr>
-              <a:t>Análisis discriminante </a:t>
-            </a:r>
-          </a:p>
-          <a:p>
-            <a:pPr marL="285750" indent="-285750">
-              <a:buFont typeface="Arial" panose="020B0604020202020204" pitchFamily="34" charset="0"/>
-              <a:buChar char="•"/>
-            </a:pPr>
-            <a:r>
-              <a:rPr lang="es-MX" sz="1800" b="0" i="0" u="none" strike="noStrike" baseline="0" noProof="0" dirty="0">
-                <a:solidFill>
-                  <a:srgbClr val="000000"/>
-                </a:solidFill>
-                <a:latin typeface="Calibri" panose="020F0502020204030204" pitchFamily="34" charset="0"/>
+              <a:t>'</a:t>
+            </a:r>
+            <a:r>
+              <a:rPr lang="en-US" b="1" i="0" dirty="0">
+                <a:solidFill>
+                  <a:srgbClr val="222832"/>
+                </a:solidFill>
+                <a:effectLst/>
+                <a:latin typeface="SFMono-Regular"/>
               </a:rPr>
-              <a:t>Máquinas de soporte vectorial </a:t>
-            </a:r>
-          </a:p>
-        </p:txBody>
-      </p:sp>
-      <p:sp>
-        <p:nvSpPr>
-          <p:cNvPr id="7" name="CuadroTexto 6">
-            <a:extLst>
-              <a:ext uri="{FF2B5EF4-FFF2-40B4-BE49-F238E27FC236}">
-                <a16:creationId xmlns:a16="http://schemas.microsoft.com/office/drawing/2014/main" id="{EFCB5515-30CC-6151-55C2-8869F6EBF215}"/>
+              <a:t>, </a:t>
+            </a:r>
+            <a:r>
+              <a:rPr lang="en-US" b="1" i="1" dirty="0">
+                <a:solidFill>
+                  <a:srgbClr val="222832"/>
+                </a:solidFill>
+                <a:effectLst/>
+                <a:latin typeface="SFMono-Regular"/>
+              </a:rPr>
+              <a:t>splitter</a:t>
+            </a:r>
+            <a:r>
+              <a:rPr lang="en-US" b="0" i="1" dirty="0">
+                <a:solidFill>
+                  <a:srgbClr val="48566B"/>
+                </a:solidFill>
+                <a:effectLst/>
+                <a:latin typeface="SFMono-Regular"/>
+              </a:rPr>
+              <a:t>='best'</a:t>
+            </a:r>
+            <a:r>
+              <a:rPr lang="en-US" b="1" i="0" dirty="0">
+                <a:solidFill>
+                  <a:srgbClr val="222832"/>
+                </a:solidFill>
+                <a:effectLst/>
+                <a:latin typeface="SFMono-Regular"/>
+              </a:rPr>
+              <a:t>, </a:t>
+            </a:r>
+            <a:r>
+              <a:rPr lang="en-US" b="1" i="1" dirty="0" err="1">
+                <a:solidFill>
+                  <a:srgbClr val="222832"/>
+                </a:solidFill>
+                <a:effectLst/>
+                <a:latin typeface="SFMono-Regular"/>
+              </a:rPr>
+              <a:t>max_depth</a:t>
+            </a:r>
+            <a:r>
+              <a:rPr lang="en-US" b="0" i="1" dirty="0">
+                <a:solidFill>
+                  <a:srgbClr val="48566B"/>
+                </a:solidFill>
+                <a:effectLst/>
+                <a:latin typeface="SFMono-Regular"/>
+              </a:rPr>
+              <a:t>=None</a:t>
+            </a:r>
+            <a:r>
+              <a:rPr lang="en-US" b="1" i="0" dirty="0">
+                <a:solidFill>
+                  <a:srgbClr val="222832"/>
+                </a:solidFill>
+                <a:effectLst/>
+                <a:latin typeface="SFMono-Regular"/>
+              </a:rPr>
+              <a:t>, </a:t>
+            </a:r>
+            <a:r>
+              <a:rPr lang="en-US" b="1" i="1" dirty="0" err="1">
+                <a:solidFill>
+                  <a:srgbClr val="222832"/>
+                </a:solidFill>
+                <a:effectLst/>
+                <a:latin typeface="SFMono-Regular"/>
+              </a:rPr>
+              <a:t>min_samples_split</a:t>
+            </a:r>
+            <a:r>
+              <a:rPr lang="en-US" b="0" i="1" dirty="0">
+                <a:solidFill>
+                  <a:srgbClr val="48566B"/>
+                </a:solidFill>
+                <a:effectLst/>
+                <a:latin typeface="SFMono-Regular"/>
+              </a:rPr>
+              <a:t>=2</a:t>
+            </a:r>
+            <a:r>
+              <a:rPr lang="en-US" b="1" i="0" dirty="0">
+                <a:solidFill>
+                  <a:srgbClr val="222832"/>
+                </a:solidFill>
+                <a:effectLst/>
+                <a:latin typeface="SFMono-Regular"/>
+              </a:rPr>
+              <a:t>, </a:t>
+            </a:r>
+            <a:r>
+              <a:rPr lang="en-US" b="1" i="1" dirty="0" err="1">
+                <a:solidFill>
+                  <a:srgbClr val="222832"/>
+                </a:solidFill>
+                <a:effectLst/>
+                <a:latin typeface="SFMono-Regular"/>
+              </a:rPr>
+              <a:t>min_samples_leaf</a:t>
+            </a:r>
+            <a:r>
+              <a:rPr lang="en-US" b="0" i="1" dirty="0">
+                <a:solidFill>
+                  <a:srgbClr val="48566B"/>
+                </a:solidFill>
+                <a:effectLst/>
+                <a:latin typeface="SFMono-Regular"/>
+              </a:rPr>
+              <a:t>=1</a:t>
+            </a:r>
+            <a:r>
+              <a:rPr lang="en-US" b="1" i="0" dirty="0">
+                <a:solidFill>
+                  <a:srgbClr val="222832"/>
+                </a:solidFill>
+                <a:effectLst/>
+                <a:latin typeface="SFMono-Regular"/>
+              </a:rPr>
+              <a:t>, </a:t>
+            </a:r>
+            <a:r>
+              <a:rPr lang="en-US" b="1" i="1" dirty="0" err="1">
+                <a:solidFill>
+                  <a:srgbClr val="222832"/>
+                </a:solidFill>
+                <a:effectLst/>
+                <a:latin typeface="SFMono-Regular"/>
+              </a:rPr>
+              <a:t>min_weight_fraction_leaf</a:t>
+            </a:r>
+            <a:r>
+              <a:rPr lang="en-US" b="0" i="1" dirty="0">
+                <a:solidFill>
+                  <a:srgbClr val="48566B"/>
+                </a:solidFill>
+                <a:effectLst/>
+                <a:latin typeface="SFMono-Regular"/>
+              </a:rPr>
+              <a:t>=0.0</a:t>
+            </a:r>
+            <a:r>
+              <a:rPr lang="en-US" b="1" i="0" dirty="0">
+                <a:solidFill>
+                  <a:srgbClr val="222832"/>
+                </a:solidFill>
+                <a:effectLst/>
+                <a:latin typeface="SFMono-Regular"/>
+              </a:rPr>
+              <a:t>, </a:t>
+            </a:r>
+            <a:r>
+              <a:rPr lang="en-US" b="1" i="1" dirty="0" err="1">
+                <a:solidFill>
+                  <a:srgbClr val="222832"/>
+                </a:solidFill>
+                <a:effectLst/>
+                <a:latin typeface="SFMono-Regular"/>
+              </a:rPr>
+              <a:t>max_features</a:t>
+            </a:r>
+            <a:r>
+              <a:rPr lang="en-US" b="0" i="1" dirty="0">
+                <a:solidFill>
+                  <a:srgbClr val="48566B"/>
+                </a:solidFill>
+                <a:effectLst/>
+                <a:latin typeface="SFMono-Regular"/>
+              </a:rPr>
+              <a:t>=None</a:t>
+            </a:r>
+            <a:r>
+              <a:rPr lang="en-US" b="1" i="0" dirty="0">
+                <a:solidFill>
+                  <a:srgbClr val="222832"/>
+                </a:solidFill>
+                <a:effectLst/>
+                <a:latin typeface="SFMono-Regular"/>
+              </a:rPr>
+              <a:t>, </a:t>
+            </a:r>
+            <a:r>
+              <a:rPr lang="en-US" b="1" i="1" dirty="0" err="1">
+                <a:solidFill>
+                  <a:srgbClr val="222832"/>
+                </a:solidFill>
+                <a:effectLst/>
+                <a:latin typeface="SFMono-Regular"/>
+              </a:rPr>
+              <a:t>random_state</a:t>
+            </a:r>
+            <a:r>
+              <a:rPr lang="en-US" b="0" i="1" dirty="0">
+                <a:solidFill>
+                  <a:srgbClr val="48566B"/>
+                </a:solidFill>
+                <a:effectLst/>
+                <a:latin typeface="SFMono-Regular"/>
+              </a:rPr>
+              <a:t>=None</a:t>
+            </a:r>
+            <a:r>
+              <a:rPr lang="en-US" b="1" i="0" dirty="0">
+                <a:solidFill>
+                  <a:srgbClr val="222832"/>
+                </a:solidFill>
+                <a:effectLst/>
+                <a:latin typeface="SFMono-Regular"/>
+              </a:rPr>
+              <a:t>, </a:t>
+            </a:r>
+            <a:r>
+              <a:rPr lang="en-US" b="1" i="1" dirty="0" err="1">
+                <a:solidFill>
+                  <a:srgbClr val="222832"/>
+                </a:solidFill>
+                <a:effectLst/>
+                <a:latin typeface="SFMono-Regular"/>
+              </a:rPr>
+              <a:t>max_leaf_nodes</a:t>
+            </a:r>
+            <a:r>
+              <a:rPr lang="en-US" b="0" i="1" dirty="0">
+                <a:solidFill>
+                  <a:srgbClr val="48566B"/>
+                </a:solidFill>
+                <a:effectLst/>
+                <a:latin typeface="SFMono-Regular"/>
+              </a:rPr>
+              <a:t>=None</a:t>
+            </a:r>
+            <a:r>
+              <a:rPr lang="en-US" b="1" i="0" dirty="0">
+                <a:solidFill>
+                  <a:srgbClr val="222832"/>
+                </a:solidFill>
+                <a:effectLst/>
+                <a:latin typeface="SFMono-Regular"/>
+              </a:rPr>
+              <a:t>, </a:t>
+            </a:r>
+            <a:r>
+              <a:rPr lang="en-US" b="1" i="1" dirty="0" err="1">
+                <a:solidFill>
+                  <a:srgbClr val="222832"/>
+                </a:solidFill>
+                <a:effectLst/>
+                <a:latin typeface="SFMono-Regular"/>
+              </a:rPr>
+              <a:t>min_impurity_decrease</a:t>
+            </a:r>
+            <a:r>
+              <a:rPr lang="en-US" b="0" i="1" dirty="0">
+                <a:solidFill>
+                  <a:srgbClr val="48566B"/>
+                </a:solidFill>
+                <a:effectLst/>
+                <a:latin typeface="SFMono-Regular"/>
+              </a:rPr>
+              <a:t>=0.0</a:t>
+            </a:r>
+            <a:r>
+              <a:rPr lang="en-US" b="1" i="0" dirty="0">
+                <a:solidFill>
+                  <a:srgbClr val="222832"/>
+                </a:solidFill>
+                <a:effectLst/>
+                <a:latin typeface="SFMono-Regular"/>
+              </a:rPr>
+              <a:t>, </a:t>
+            </a:r>
+            <a:r>
+              <a:rPr lang="en-US" b="1" i="1" dirty="0" err="1">
+                <a:solidFill>
+                  <a:srgbClr val="222832"/>
+                </a:solidFill>
+                <a:effectLst/>
+                <a:latin typeface="SFMono-Regular"/>
+              </a:rPr>
+              <a:t>class_weight</a:t>
+            </a:r>
+            <a:r>
+              <a:rPr lang="en-US" b="0" i="1" dirty="0">
+                <a:solidFill>
+                  <a:srgbClr val="48566B"/>
+                </a:solidFill>
+                <a:effectLst/>
+                <a:latin typeface="SFMono-Regular"/>
+              </a:rPr>
+              <a:t>=None</a:t>
+            </a:r>
+            <a:r>
+              <a:rPr lang="en-US" b="1" i="0" dirty="0">
+                <a:solidFill>
+                  <a:srgbClr val="222832"/>
+                </a:solidFill>
+                <a:effectLst/>
+                <a:latin typeface="SFMono-Regular"/>
+              </a:rPr>
+              <a:t>, </a:t>
+            </a:r>
+            <a:r>
+              <a:rPr lang="en-US" b="1" i="1" dirty="0" err="1">
+                <a:solidFill>
+                  <a:srgbClr val="222832"/>
+                </a:solidFill>
+                <a:effectLst/>
+                <a:latin typeface="SFMono-Regular"/>
+              </a:rPr>
+              <a:t>ccp_alpha</a:t>
+            </a:r>
+            <a:r>
+              <a:rPr lang="en-US" b="0" i="1" dirty="0">
+                <a:solidFill>
+                  <a:srgbClr val="48566B"/>
+                </a:solidFill>
+                <a:effectLst/>
+                <a:latin typeface="SFMono-Regular"/>
+              </a:rPr>
+              <a:t>=0.0</a:t>
+            </a:r>
+            <a:r>
+              <a:rPr lang="en-US" b="1" i="0" dirty="0">
+                <a:solidFill>
+                  <a:srgbClr val="222832"/>
+                </a:solidFill>
+                <a:effectLst/>
+                <a:latin typeface="SFMono-Regular"/>
+              </a:rPr>
+              <a:t>, </a:t>
+            </a:r>
+            <a:r>
+              <a:rPr lang="en-US" b="1" i="1" dirty="0" err="1">
+                <a:solidFill>
+                  <a:srgbClr val="222832"/>
+                </a:solidFill>
+                <a:effectLst/>
+                <a:latin typeface="SFMono-Regular"/>
+              </a:rPr>
+              <a:t>monotonic_cst</a:t>
+            </a:r>
+            <a:r>
+              <a:rPr lang="en-US" b="0" i="1" dirty="0">
+                <a:solidFill>
+                  <a:srgbClr val="48566B"/>
+                </a:solidFill>
+                <a:effectLst/>
+                <a:latin typeface="SFMono-Regular"/>
+              </a:rPr>
+              <a:t>=None</a:t>
+            </a:r>
+            <a:r>
+              <a:rPr lang="en-US" b="1" i="0" dirty="0">
+                <a:solidFill>
+                  <a:srgbClr val="222832"/>
+                </a:solidFill>
+                <a:effectLst/>
+                <a:latin typeface="SFMono-Regular"/>
+              </a:rPr>
+              <a:t>)</a:t>
+            </a:r>
+            <a:endParaRPr lang="en-US" dirty="0"/>
+          </a:p>
+        </p:txBody>
+      </p:sp>
+      <p:sp>
+        <p:nvSpPr>
+          <p:cNvPr id="5" name="CuadroTexto 4">
+            <a:extLst>
+              <a:ext uri="{FF2B5EF4-FFF2-40B4-BE49-F238E27FC236}">
+                <a16:creationId xmlns:a16="http://schemas.microsoft.com/office/drawing/2014/main" id="{9BABE02E-BF82-C622-6DC9-01BD74EF8B0C}"/>
               </a:ext>
             </a:extLst>
           </p:cNvPr>
@@ -4486,8 +5169,8 @@
         </p:nvSpPr>
         <p:spPr>
           <a:xfrm>
-            <a:off x="6430479" y="1694144"/>
-            <a:ext cx="5125027" cy="2616101"/>
+            <a:off x="838200" y="2600706"/>
+            <a:ext cx="808042" cy="369332"/>
           </a:xfrm>
           <a:prstGeom prst="rect">
             <a:avLst/>
@@ -4495,411 +5178,25 @@
           <a:noFill/>
         </p:spPr>
         <p:txBody>
-          <a:bodyPr wrap="square">
+          <a:bodyPr wrap="none" rtlCol="0">
             <a:spAutoFit/>
           </a:bodyPr>
           <a:lstStyle/>
           <a:p>
             <a:r>
-              <a:rPr lang="es-MX" sz="2800" i="0" u="none" strike="noStrike" baseline="0" noProof="0" dirty="0">
-                <a:ln w="0"/>
-                <a:solidFill>
-                  <a:schemeClr val="accent1"/>
-                </a:solidFill>
-                <a:effectLst>
-                  <a:outerShdw blurRad="38100" dist="25400" dir="5400000" algn="ctr" rotWithShape="0">
-                    <a:srgbClr val="6E747A">
-                      <a:alpha val="43000"/>
-                    </a:srgbClr>
-                  </a:outerShdw>
-                </a:effectLst>
-                <a:latin typeface="Calibri" panose="020F0502020204030204" pitchFamily="34" charset="0"/>
+              <a:rPr lang="es-MX" dirty="0" err="1">
+                <a:hlinkClick r:id="rId2"/>
               </a:rPr>
-              <a:t>Métodos de regresión</a:t>
-            </a:r>
-            <a:r>
-              <a:rPr lang="es-MX" sz="1800" i="0" u="none" strike="noStrike" baseline="0" noProof="0" dirty="0">
-                <a:ln w="0"/>
-                <a:solidFill>
-                  <a:schemeClr val="accent1"/>
-                </a:solidFill>
-                <a:effectLst>
-                  <a:outerShdw blurRad="38100" dist="25400" dir="5400000" algn="ctr" rotWithShape="0">
-                    <a:srgbClr val="6E747A">
-                      <a:alpha val="43000"/>
-                    </a:srgbClr>
-                  </a:outerShdw>
-                </a:effectLst>
-                <a:latin typeface="Calibri" panose="020F0502020204030204" pitchFamily="34" charset="0"/>
-              </a:rPr>
-              <a:t> </a:t>
-            </a:r>
-          </a:p>
-          <a:p>
-            <a:pPr marL="285750" indent="-285750">
-              <a:buFont typeface="Arial" panose="020B0604020202020204" pitchFamily="34" charset="0"/>
-              <a:buChar char="•"/>
-            </a:pPr>
-            <a:r>
-              <a:rPr lang="es-MX" sz="1800" b="0" i="0" u="none" strike="noStrike" baseline="0" noProof="0" dirty="0">
-                <a:solidFill>
-                  <a:srgbClr val="000000"/>
-                </a:solidFill>
-                <a:latin typeface="Calibri" panose="020F0502020204030204" pitchFamily="34" charset="0"/>
-              </a:rPr>
-              <a:t>Modelos lineales </a:t>
-            </a:r>
-          </a:p>
-          <a:p>
-            <a:pPr marL="285750" indent="-285750">
-              <a:buFont typeface="Arial" panose="020B0604020202020204" pitchFamily="34" charset="0"/>
-              <a:buChar char="•"/>
-            </a:pPr>
-            <a:r>
-              <a:rPr lang="es-MX" sz="1800" b="0" i="0" u="none" strike="noStrike" baseline="0" noProof="0" dirty="0">
-                <a:solidFill>
-                  <a:srgbClr val="000000"/>
-                </a:solidFill>
-                <a:latin typeface="Calibri" panose="020F0502020204030204" pitchFamily="34" charset="0"/>
-              </a:rPr>
-              <a:t>Máquinas de soporte vectorial, redes neuronales, regresión gaussiana </a:t>
-            </a:r>
-          </a:p>
-          <a:p>
-            <a:r>
-              <a:rPr lang="es-MX" sz="2800" i="0" u="none" strike="noStrike" baseline="0" noProof="0" dirty="0">
-                <a:ln w="0"/>
-                <a:solidFill>
-                  <a:schemeClr val="accent1"/>
-                </a:solidFill>
-                <a:effectLst>
-                  <a:outerShdw blurRad="38100" dist="25400" dir="5400000" algn="ctr" rotWithShape="0">
-                    <a:srgbClr val="6E747A">
-                      <a:alpha val="43000"/>
-                    </a:srgbClr>
-                  </a:outerShdw>
-                </a:effectLst>
-                <a:latin typeface="Calibri" panose="020F0502020204030204" pitchFamily="34" charset="0"/>
-              </a:rPr>
-              <a:t>Deep </a:t>
-            </a:r>
-            <a:r>
-              <a:rPr lang="es-MX" sz="2800" i="0" u="none" strike="noStrike" baseline="0" noProof="0" dirty="0" err="1">
-                <a:ln w="0"/>
-                <a:solidFill>
-                  <a:schemeClr val="accent1"/>
-                </a:solidFill>
-                <a:effectLst>
-                  <a:outerShdw blurRad="38100" dist="25400" dir="5400000" algn="ctr" rotWithShape="0">
-                    <a:srgbClr val="6E747A">
-                      <a:alpha val="43000"/>
-                    </a:srgbClr>
-                  </a:outerShdw>
-                </a:effectLst>
-                <a:latin typeface="Calibri" panose="020F0502020204030204" pitchFamily="34" charset="0"/>
-              </a:rPr>
-              <a:t>Learning</a:t>
-            </a:r>
-            <a:endParaRPr lang="es-MX" sz="2800" b="0" i="0" u="none" strike="noStrike" baseline="0" noProof="0" dirty="0">
-              <a:solidFill>
-                <a:schemeClr val="accent1"/>
-              </a:solidFill>
-              <a:latin typeface="Calibri" panose="020F0502020204030204" pitchFamily="34" charset="0"/>
-            </a:endParaRPr>
-          </a:p>
-          <a:p>
-            <a:pPr marL="285750" indent="-285750">
-              <a:buFont typeface="Arial" panose="020B0604020202020204" pitchFamily="34" charset="0"/>
-              <a:buChar char="•"/>
-            </a:pPr>
-            <a:r>
-              <a:rPr lang="es-MX" sz="1800" b="0" i="0" u="none" strike="noStrike" baseline="0" noProof="0" dirty="0">
-                <a:solidFill>
-                  <a:srgbClr val="000000"/>
-                </a:solidFill>
-                <a:latin typeface="Calibri" panose="020F0502020204030204" pitchFamily="34" charset="0"/>
-              </a:rPr>
-              <a:t>Redes Neuronales Artificiales </a:t>
-            </a:r>
-          </a:p>
-          <a:p>
-            <a:pPr marL="285750" indent="-285750">
-              <a:buFont typeface="Arial" panose="020B0604020202020204" pitchFamily="34" charset="0"/>
-              <a:buChar char="•"/>
-            </a:pPr>
-            <a:r>
-              <a:rPr lang="es-MX" sz="1800" b="0" i="0" u="none" strike="noStrike" baseline="0" noProof="0" dirty="0">
-                <a:solidFill>
-                  <a:srgbClr val="000000"/>
-                </a:solidFill>
-                <a:latin typeface="Calibri" panose="020F0502020204030204" pitchFamily="34" charset="0"/>
-              </a:rPr>
-              <a:t>Redes Convolucionales </a:t>
-            </a:r>
-          </a:p>
-          <a:p>
-            <a:pPr marL="285750" indent="-285750">
-              <a:buFont typeface="Arial" panose="020B0604020202020204" pitchFamily="34" charset="0"/>
-              <a:buChar char="•"/>
-            </a:pPr>
-            <a:r>
-              <a:rPr lang="es-MX" sz="1800" b="0" i="0" u="none" strike="noStrike" baseline="0" noProof="0" dirty="0">
-                <a:solidFill>
-                  <a:srgbClr val="000000"/>
-                </a:solidFill>
-                <a:latin typeface="Calibri" panose="020F0502020204030204" pitchFamily="34" charset="0"/>
-              </a:rPr>
-              <a:t>Redes Neuronales Recurrentes </a:t>
-            </a:r>
-            <a:endParaRPr lang="es-MX" noProof="0" dirty="0"/>
-          </a:p>
-        </p:txBody>
-      </p:sp>
-      <p:sp>
-        <p:nvSpPr>
-          <p:cNvPr id="9" name="CuadroTexto 8">
-            <a:extLst>
-              <a:ext uri="{FF2B5EF4-FFF2-40B4-BE49-F238E27FC236}">
-                <a16:creationId xmlns:a16="http://schemas.microsoft.com/office/drawing/2014/main" id="{7AAF55A9-0B78-058F-A219-5402B1970022}"/>
-              </a:ext>
-            </a:extLst>
-          </p:cNvPr>
-          <p:cNvSpPr txBox="1"/>
-          <p:nvPr/>
-        </p:nvSpPr>
-        <p:spPr>
-          <a:xfrm>
-            <a:off x="164998" y="5257535"/>
-            <a:ext cx="11862003" cy="923330"/>
-          </a:xfrm>
-          <a:prstGeom prst="rect">
-            <a:avLst/>
-          </a:prstGeom>
-          <a:noFill/>
-        </p:spPr>
-        <p:txBody>
-          <a:bodyPr wrap="square">
-            <a:spAutoFit/>
-          </a:bodyPr>
-          <a:lstStyle/>
-          <a:p>
-            <a:r>
-              <a:rPr lang="es-MX" sz="1800" i="0" u="none" strike="noStrike" baseline="0" noProof="0" dirty="0">
-                <a:ln w="0"/>
-                <a:solidFill>
-                  <a:schemeClr val="accent1"/>
-                </a:solidFill>
-                <a:effectLst>
-                  <a:outerShdw blurRad="38100" dist="25400" dir="5400000" algn="ctr" rotWithShape="0">
-                    <a:srgbClr val="6E747A">
-                      <a:alpha val="43000"/>
-                    </a:srgbClr>
-                  </a:outerShdw>
-                </a:effectLst>
-              </a:rPr>
-              <a:t>Bibliografía</a:t>
-            </a:r>
-            <a:endParaRPr lang="es-MX" sz="1800" i="0" u="none" strike="noStrike" baseline="0" noProof="0" dirty="0">
-              <a:solidFill>
-                <a:srgbClr val="000000"/>
-              </a:solidFill>
-            </a:endParaRPr>
-          </a:p>
-          <a:p>
-            <a:r>
-              <a:rPr lang="es-MX" sz="1800" b="0" i="0" u="none" strike="noStrike" baseline="0" noProof="0" dirty="0" err="1">
-                <a:solidFill>
-                  <a:srgbClr val="000000"/>
-                </a:solidFill>
-              </a:rPr>
-              <a:t>Bishop</a:t>
-            </a:r>
-            <a:r>
-              <a:rPr lang="es-MX" sz="1800" b="0" i="0" u="none" strike="noStrike" baseline="0" noProof="0" dirty="0">
-                <a:solidFill>
-                  <a:srgbClr val="000000"/>
-                </a:solidFill>
-              </a:rPr>
-              <a:t>, C. M., &amp; </a:t>
-            </a:r>
-            <a:r>
-              <a:rPr lang="es-MX" sz="1800" b="0" i="0" u="none" strike="noStrike" baseline="0" noProof="0" dirty="0" err="1">
-                <a:solidFill>
-                  <a:srgbClr val="000000"/>
-                </a:solidFill>
-              </a:rPr>
-              <a:t>Nasrabadi</a:t>
-            </a:r>
-            <a:r>
-              <a:rPr lang="es-MX" sz="1800" b="0" i="0" u="none" strike="noStrike" baseline="0" noProof="0" dirty="0">
-                <a:solidFill>
-                  <a:srgbClr val="000000"/>
-                </a:solidFill>
-              </a:rPr>
-              <a:t>, N. M. (2006). </a:t>
-            </a:r>
-            <a:r>
-              <a:rPr lang="es-MX" sz="1800" b="0" i="0" u="none" strike="noStrike" baseline="0" noProof="0" dirty="0" err="1">
-                <a:solidFill>
-                  <a:srgbClr val="000000"/>
-                </a:solidFill>
-              </a:rPr>
-              <a:t>Pattern</a:t>
-            </a:r>
-            <a:r>
-              <a:rPr lang="es-MX" sz="1800" b="0" i="0" u="none" strike="noStrike" baseline="0" noProof="0" dirty="0">
-                <a:solidFill>
-                  <a:srgbClr val="000000"/>
-                </a:solidFill>
-              </a:rPr>
-              <a:t> </a:t>
-            </a:r>
-            <a:r>
-              <a:rPr lang="es-MX" sz="1800" b="0" i="0" u="none" strike="noStrike" baseline="0" noProof="0" dirty="0" err="1">
-                <a:solidFill>
-                  <a:srgbClr val="000000"/>
-                </a:solidFill>
-              </a:rPr>
-              <a:t>recognition</a:t>
-            </a:r>
-            <a:r>
-              <a:rPr lang="es-MX" sz="1800" b="0" i="0" u="none" strike="noStrike" baseline="0" noProof="0" dirty="0">
-                <a:solidFill>
-                  <a:srgbClr val="000000"/>
-                </a:solidFill>
-              </a:rPr>
-              <a:t> and machine </a:t>
-            </a:r>
-            <a:r>
-              <a:rPr lang="es-MX" sz="1800" b="0" i="0" u="none" strike="noStrike" baseline="0" noProof="0" dirty="0" err="1">
-                <a:solidFill>
-                  <a:srgbClr val="000000"/>
-                </a:solidFill>
-              </a:rPr>
-              <a:t>learning</a:t>
-            </a:r>
-            <a:r>
-              <a:rPr lang="es-MX" sz="1800" b="0" i="0" u="none" strike="noStrike" baseline="0" noProof="0" dirty="0">
-                <a:solidFill>
-                  <a:srgbClr val="000000"/>
-                </a:solidFill>
-              </a:rPr>
-              <a:t> (Vol. 4, No. 4, p. 738). New York: </a:t>
-            </a:r>
-            <a:r>
-              <a:rPr lang="es-MX" sz="1800" b="0" i="0" u="none" strike="noStrike" baseline="0" noProof="0" dirty="0" err="1">
-                <a:solidFill>
-                  <a:srgbClr val="000000"/>
-                </a:solidFill>
-              </a:rPr>
-              <a:t>springer</a:t>
-            </a:r>
-            <a:r>
-              <a:rPr lang="es-MX" sz="1800" b="0" i="0" u="none" strike="noStrike" baseline="0" noProof="0" dirty="0">
-                <a:solidFill>
-                  <a:srgbClr val="000000"/>
-                </a:solidFill>
-              </a:rPr>
-              <a:t>. </a:t>
-            </a:r>
-          </a:p>
-          <a:p>
-            <a:r>
-              <a:rPr lang="es-MX" sz="1800" b="0" i="0" u="none" strike="noStrike" baseline="0" noProof="0" dirty="0" err="1">
-                <a:solidFill>
-                  <a:srgbClr val="212121"/>
-                </a:solidFill>
-              </a:rPr>
-              <a:t>Goodfellow</a:t>
-            </a:r>
-            <a:r>
-              <a:rPr lang="es-MX" sz="1800" b="0" i="0" u="none" strike="noStrike" baseline="0" noProof="0" dirty="0">
-                <a:solidFill>
-                  <a:srgbClr val="212121"/>
-                </a:solidFill>
-              </a:rPr>
-              <a:t>, I., </a:t>
-            </a:r>
-            <a:r>
-              <a:rPr lang="es-MX" sz="1800" b="0" i="0" u="none" strike="noStrike" baseline="0" noProof="0" dirty="0" err="1">
-                <a:solidFill>
-                  <a:srgbClr val="212121"/>
-                </a:solidFill>
-              </a:rPr>
-              <a:t>Bengio</a:t>
-            </a:r>
-            <a:r>
-              <a:rPr lang="es-MX" sz="1800" b="0" i="0" u="none" strike="noStrike" baseline="0" noProof="0" dirty="0">
-                <a:solidFill>
-                  <a:srgbClr val="212121"/>
-                </a:solidFill>
-              </a:rPr>
-              <a:t>, Y., &amp; </a:t>
-            </a:r>
-            <a:r>
-              <a:rPr lang="es-MX" sz="1800" b="0" i="0" u="none" strike="noStrike" baseline="0" noProof="0" dirty="0" err="1">
-                <a:solidFill>
-                  <a:srgbClr val="212121"/>
-                </a:solidFill>
-              </a:rPr>
-              <a:t>Courville</a:t>
-            </a:r>
-            <a:r>
-              <a:rPr lang="es-MX" sz="1800" b="0" i="0" u="none" strike="noStrike" baseline="0" noProof="0" dirty="0">
-                <a:solidFill>
-                  <a:srgbClr val="212121"/>
-                </a:solidFill>
-              </a:rPr>
-              <a:t>, A. (2016). </a:t>
-            </a:r>
-            <a:r>
-              <a:rPr lang="es-MX" sz="1800" b="0" i="1" u="none" strike="noStrike" baseline="0" noProof="0" dirty="0">
-                <a:solidFill>
-                  <a:srgbClr val="212121"/>
-                </a:solidFill>
-              </a:rPr>
-              <a:t>Deep </a:t>
-            </a:r>
-            <a:r>
-              <a:rPr lang="es-MX" sz="1800" b="0" i="1" u="none" strike="noStrike" baseline="0" noProof="0" dirty="0" err="1">
-                <a:solidFill>
-                  <a:srgbClr val="212121"/>
-                </a:solidFill>
-              </a:rPr>
-              <a:t>learning</a:t>
-            </a:r>
-            <a:r>
-              <a:rPr lang="es-MX" sz="1800" b="0" i="0" u="none" strike="noStrike" baseline="0" noProof="0" dirty="0">
-                <a:solidFill>
-                  <a:srgbClr val="212121"/>
-                </a:solidFill>
-              </a:rPr>
-              <a:t>. MIT </a:t>
-            </a:r>
-            <a:r>
-              <a:rPr lang="es-MX" sz="1800" b="0" i="0" u="none" strike="noStrike" baseline="0" noProof="0" dirty="0" err="1">
-                <a:solidFill>
-                  <a:srgbClr val="212121"/>
-                </a:solidFill>
-              </a:rPr>
-              <a:t>press</a:t>
-            </a:r>
-            <a:r>
-              <a:rPr lang="es-MX" sz="1800" b="0" i="0" u="none" strike="noStrike" baseline="0" noProof="0" dirty="0">
-                <a:solidFill>
-                  <a:srgbClr val="212121"/>
-                </a:solidFill>
-              </a:rPr>
-              <a:t>.</a:t>
-            </a:r>
-            <a:endParaRPr lang="es-MX" noProof="0" dirty="0"/>
+              <a:t>source</a:t>
+            </a:r>
+            <a:endParaRPr lang="en-US" dirty="0"/>
           </a:p>
         </p:txBody>
       </p:sp>
     </p:spTree>
     <p:extLst>
       <p:ext uri="{BB962C8B-B14F-4D97-AF65-F5344CB8AC3E}">
-        <p14:creationId xmlns:p14="http://schemas.microsoft.com/office/powerpoint/2010/main" val="1980591452"/>
+        <p14:creationId xmlns:p14="http://schemas.microsoft.com/office/powerpoint/2010/main" val="795216810"/>
       </p:ext>
     </p:extLst>
   </p:cSld>
